--- a/Week08/ResponsiveDesign.pptx
+++ b/Week08/ResponsiveDesign.pptx
@@ -218,7 +218,7 @@
           <a:p>
             <a:fld id="{19104133-B5B0-4351-8158-4F0E5EB1E2BF}" type="datetimeFigureOut">
               <a:rPr lang="en-US" smtClean="0"/>
-              <a:t>3/23/2020</a:t>
+              <a:t>3/18/2022</a:t>
             </a:fld>
             <a:endParaRPr lang="en-US"/>
           </a:p>
@@ -282,38 +282,37 @@
           <a:p>
             <a:pPr lvl="0"/>
             <a:r>
-              <a:rPr lang="en-US" smtClean="0"/>
+              <a:rPr lang="en-US"/>
               <a:t>Edit Master text styles</a:t>
             </a:r>
           </a:p>
           <a:p>
             <a:pPr lvl="1"/>
             <a:r>
-              <a:rPr lang="en-US" smtClean="0"/>
+              <a:rPr lang="en-US"/>
               <a:t>Second level</a:t>
             </a:r>
           </a:p>
           <a:p>
             <a:pPr lvl="2"/>
             <a:r>
-              <a:rPr lang="en-US" smtClean="0"/>
+              <a:rPr lang="en-US"/>
               <a:t>Third level</a:t>
             </a:r>
           </a:p>
           <a:p>
             <a:pPr lvl="3"/>
             <a:r>
-              <a:rPr lang="en-US" smtClean="0"/>
+              <a:rPr lang="en-US"/>
               <a:t>Fourth level</a:t>
             </a:r>
           </a:p>
           <a:p>
             <a:pPr lvl="4"/>
             <a:r>
-              <a:rPr lang="en-US" smtClean="0"/>
+              <a:rPr lang="en-US"/>
               <a:t>Fifth level</a:t>
             </a:r>
-            <a:endParaRPr lang="en-US"/>
           </a:p>
         </p:txBody>
       </p:sp>
@@ -531,37 +530,37 @@
           <a:lstStyle/>
           <a:p>
             <a:r>
-              <a:rPr lang="en-US" dirty="0" smtClean="0"/>
+              <a:rPr lang="en-US" dirty="0"/>
               <a:t>Ask the</a:t>
             </a:r>
             <a:r>
-              <a:rPr lang="en-US" baseline="0" dirty="0" smtClean="0"/>
+              <a:rPr lang="en-US" baseline="0" dirty="0"/>
               <a:t> students which devices they use to visit websites.</a:t>
             </a:r>
           </a:p>
           <a:p>
-            <a:endParaRPr lang="en-US" baseline="0" dirty="0" smtClean="0"/>
+            <a:endParaRPr lang="en-US" baseline="0" dirty="0"/>
           </a:p>
           <a:p>
             <a:r>
-              <a:rPr lang="en-US" baseline="0" dirty="0" smtClean="0"/>
+              <a:rPr lang="en-US" baseline="0" dirty="0"/>
               <a:t>Explain that more and more, web developers have to account for people using a variety of different devices to view information on the web.</a:t>
             </a:r>
           </a:p>
           <a:p>
-            <a:endParaRPr lang="en-US" baseline="0" dirty="0" smtClean="0"/>
+            <a:endParaRPr lang="en-US" baseline="0" dirty="0"/>
           </a:p>
           <a:p>
             <a:r>
-              <a:rPr lang="en-US" b="0" baseline="0" dirty="0" smtClean="0"/>
+              <a:rPr lang="en-US" b="0" baseline="0" dirty="0"/>
               <a:t>Show the definition of </a:t>
             </a:r>
             <a:r>
-              <a:rPr lang="en-US" b="1" baseline="0" dirty="0" smtClean="0"/>
+              <a:rPr lang="en-US" b="1" baseline="0" dirty="0"/>
               <a:t>responsive web design</a:t>
             </a:r>
             <a:r>
-              <a:rPr lang="en-US" b="0" baseline="0" dirty="0" smtClean="0"/>
+              <a:rPr lang="en-US" b="0" baseline="0" dirty="0"/>
               <a:t>.</a:t>
             </a:r>
             <a:endParaRPr lang="en-US" b="0" dirty="0"/>
@@ -666,11 +665,11 @@
               <a:defRPr/>
             </a:pPr>
             <a:r>
-              <a:rPr lang="en-US" dirty="0" smtClean="0"/>
+              <a:rPr lang="en-US" dirty="0"/>
               <a:t>Open the websites</a:t>
             </a:r>
             <a:r>
-              <a:rPr lang="en-US" baseline="0" dirty="0" smtClean="0"/>
+              <a:rPr lang="en-US" baseline="0" dirty="0"/>
               <a:t> and show them in desktop and mobile modes.</a:t>
             </a:r>
           </a:p>
@@ -692,7 +691,7 @@
               <a:tabLst/>
               <a:defRPr/>
             </a:pPr>
-            <a:endParaRPr lang="en-US" baseline="0" dirty="0" smtClean="0"/>
+            <a:endParaRPr lang="en-US" baseline="0" dirty="0"/>
           </a:p>
           <a:p>
             <a:pPr marL="0" marR="0" lvl="0" indent="0" algn="l" defTabSz="914400" rtl="0" eaLnBrk="1" fontAlgn="auto" latinLnBrk="0" hangingPunct="1">
@@ -713,10 +712,10 @@
               <a:defRPr/>
             </a:pPr>
             <a:r>
-              <a:rPr lang="en-US" baseline="0" dirty="0" smtClean="0"/>
+              <a:rPr lang="en-US" baseline="0" dirty="0"/>
               <a:t>In mobile mode, Wikipedia feels like a desktop website, and it is not easy to read everything on the screen. National Geographic feels like a mobile app!</a:t>
             </a:r>
-            <a:endParaRPr lang="en-US" dirty="0" smtClean="0"/>
+            <a:endParaRPr lang="en-US" dirty="0"/>
           </a:p>
         </p:txBody>
       </p:sp>
@@ -801,36 +800,36 @@
           <a:lstStyle/>
           <a:p>
             <a:r>
-              <a:rPr lang="en-US" dirty="0" smtClean="0"/>
+              <a:rPr lang="en-US" dirty="0"/>
               <a:t>For the percentage-based property</a:t>
             </a:r>
             <a:r>
-              <a:rPr lang="en-US" baseline="0" dirty="0" smtClean="0"/>
+              <a:rPr lang="en-US" baseline="0" dirty="0"/>
               <a:t> values, explain that the image’s width value will be 50% of the parent’s width.</a:t>
             </a:r>
           </a:p>
           <a:p>
-            <a:endParaRPr lang="en-US" baseline="0" dirty="0" smtClean="0"/>
+            <a:endParaRPr lang="en-US" baseline="0" dirty="0"/>
           </a:p>
           <a:p>
             <a:r>
-              <a:rPr lang="en-US" baseline="0" dirty="0" smtClean="0"/>
+              <a:rPr lang="en-US" baseline="0" dirty="0"/>
               <a:t>For media queries, explain that wrapping a CSS ruleset in the query will mean it only applies if the condition is met. In this example, the </a:t>
             </a:r>
             <a:r>
-              <a:rPr lang="en-US" b="1" baseline="0" dirty="0" smtClean="0"/>
+              <a:rPr lang="en-US" b="1" baseline="0" dirty="0"/>
               <a:t>.grid</a:t>
             </a:r>
             <a:r>
-              <a:rPr lang="en-US" b="0" baseline="0" dirty="0" smtClean="0"/>
+              <a:rPr lang="en-US" b="0" baseline="0" dirty="0"/>
               <a:t> ruleset will only apply if the screen has </a:t>
             </a:r>
             <a:r>
-              <a:rPr lang="en-US" b="0" i="1" baseline="0" dirty="0" smtClean="0"/>
+              <a:rPr lang="en-US" b="0" i="1" baseline="0" dirty="0"/>
               <a:t>less</a:t>
             </a:r>
             <a:r>
-              <a:rPr lang="en-US" b="0" baseline="0" dirty="0" smtClean="0"/>
+              <a:rPr lang="en-US" b="0" baseline="0" dirty="0"/>
               <a:t> than a 600px width</a:t>
             </a:r>
             <a:endParaRPr lang="en-US" dirty="0"/>
@@ -918,41 +917,41 @@
           <a:lstStyle/>
           <a:p>
             <a:r>
-              <a:rPr lang="en-US" dirty="0" smtClean="0"/>
+              <a:rPr lang="en-US" dirty="0"/>
               <a:t>View the </a:t>
             </a:r>
             <a:r>
-              <a:rPr lang="en-US" dirty="0" err="1" smtClean="0"/>
+              <a:rPr lang="en-US" dirty="0" err="1"/>
               <a:t>Repl</a:t>
             </a:r>
             <a:r>
-              <a:rPr lang="en-US" baseline="0" dirty="0" smtClean="0"/>
+              <a:rPr lang="en-US" baseline="0" dirty="0"/>
               <a:t> and show how it works. Change the size of the viewport to see the image change its size and the grid go from horizontal to vertical.</a:t>
             </a:r>
           </a:p>
           <a:p>
-            <a:endParaRPr lang="en-US" baseline="0" dirty="0" smtClean="0"/>
+            <a:endParaRPr lang="en-US" baseline="0" dirty="0"/>
           </a:p>
           <a:p>
             <a:r>
-              <a:rPr lang="en-US" baseline="0" dirty="0" smtClean="0"/>
+              <a:rPr lang="en-US" baseline="0" dirty="0"/>
               <a:t>Allow students </a:t>
             </a:r>
             <a:r>
-              <a:rPr lang="en-US" b="1" baseline="0" dirty="0" smtClean="0"/>
+              <a:rPr lang="en-US" b="1" baseline="0" dirty="0"/>
               <a:t>5 minutes</a:t>
             </a:r>
             <a:r>
-              <a:rPr lang="en-US" baseline="0" dirty="0" smtClean="0"/>
+              <a:rPr lang="en-US" baseline="0" dirty="0"/>
               <a:t> to work on this.</a:t>
             </a:r>
           </a:p>
           <a:p>
-            <a:endParaRPr lang="en-US" baseline="0" dirty="0" smtClean="0"/>
+            <a:endParaRPr lang="en-US" baseline="0" dirty="0"/>
           </a:p>
           <a:p>
             <a:r>
-              <a:rPr lang="en-US" i="1" baseline="0" dirty="0" smtClean="0"/>
+              <a:rPr lang="en-US" i="1" baseline="0" dirty="0"/>
               <a:t>Note that these methods for responsive design are not as important, because Bootstrap takes care of a lot of this.</a:t>
             </a:r>
             <a:endParaRPr lang="en-US" i="1" dirty="0"/>
@@ -1040,11 +1039,11 @@
           <a:lstStyle/>
           <a:p>
             <a:r>
-              <a:rPr lang="en-US" dirty="0" smtClean="0"/>
+              <a:rPr lang="en-US" dirty="0"/>
               <a:t>Explain a little more</a:t>
             </a:r>
             <a:r>
-              <a:rPr lang="en-US" baseline="0" dirty="0" smtClean="0"/>
+              <a:rPr lang="en-US" baseline="0" dirty="0"/>
               <a:t> background on the purpose of Bootstrap</a:t>
             </a:r>
             <a:endParaRPr lang="en-US" dirty="0"/>
@@ -1149,15 +1148,15 @@
               <a:defRPr/>
             </a:pPr>
             <a:r>
-              <a:rPr lang="en-US" dirty="0" smtClean="0"/>
+              <a:rPr lang="en-US" dirty="0"/>
               <a:t>Students will not need to remember</a:t>
             </a:r>
             <a:r>
-              <a:rPr lang="en-US" baseline="0" dirty="0" smtClean="0"/>
+              <a:rPr lang="en-US" baseline="0" dirty="0"/>
               <a:t> </a:t>
             </a:r>
             <a:r>
-              <a:rPr lang="en-US" dirty="0" smtClean="0"/>
+              <a:rPr lang="en-US" dirty="0"/>
               <a:t>all this stuff – it should be copy/pasted when using bootstrap</a:t>
             </a:r>
           </a:p>
@@ -1247,28 +1246,28 @@
           <a:lstStyle/>
           <a:p>
             <a:r>
-              <a:rPr lang="en-US" dirty="0" smtClean="0"/>
+              <a:rPr lang="en-US" dirty="0"/>
               <a:t>A lot of classes are built into Bootstrap’s CSS.</a:t>
             </a:r>
             <a:r>
-              <a:rPr lang="en-US" baseline="0" dirty="0" smtClean="0"/>
+              <a:rPr lang="en-US" baseline="0" dirty="0"/>
               <a:t> All a developer needs to do is add the </a:t>
             </a:r>
             <a:r>
-              <a:rPr lang="en-US" b="1" baseline="0" dirty="0" smtClean="0"/>
+              <a:rPr lang="en-US" b="1" baseline="0" dirty="0"/>
               <a:t>class attribute</a:t>
             </a:r>
             <a:r>
-              <a:rPr lang="en-US" b="0" baseline="0" dirty="0" smtClean="0"/>
+              <a:rPr lang="en-US" b="0" baseline="0" dirty="0"/>
               <a:t> with the given value to an HTML element.</a:t>
             </a:r>
           </a:p>
           <a:p>
-            <a:endParaRPr lang="en-US" b="0" baseline="0" dirty="0" smtClean="0"/>
+            <a:endParaRPr lang="en-US" b="0" baseline="0" dirty="0"/>
           </a:p>
           <a:p>
             <a:r>
-              <a:rPr lang="en-US" b="0" baseline="0" dirty="0" smtClean="0"/>
+              <a:rPr lang="en-US" b="0" baseline="0" dirty="0"/>
               <a:t>More on rows/columns on the next slide.</a:t>
             </a:r>
             <a:endParaRPr lang="en-US" dirty="0"/>
@@ -1356,16 +1355,16 @@
           <a:lstStyle/>
           <a:p>
             <a:r>
-              <a:rPr lang="en-US" dirty="0" smtClean="0"/>
+              <a:rPr lang="en-US" dirty="0"/>
               <a:t>Explain that adding</a:t>
             </a:r>
             <a:r>
-              <a:rPr lang="en-US" baseline="0" dirty="0" smtClean="0"/>
+              <a:rPr lang="en-US" baseline="0" dirty="0"/>
               <a:t> any of these classes will set the size of a column within a row.</a:t>
             </a:r>
           </a:p>
           <a:p>
-            <a:endParaRPr lang="en-US" baseline="0" dirty="0" smtClean="0"/>
+            <a:endParaRPr lang="en-US" baseline="0" dirty="0"/>
           </a:p>
           <a:p>
             <a:pPr marL="0" marR="0" lvl="0" indent="0" algn="l" defTabSz="914400" rtl="0" eaLnBrk="1" fontAlgn="auto" latinLnBrk="0" hangingPunct="1">
@@ -1386,37 +1385,36 @@
               <a:defRPr/>
             </a:pPr>
             <a:r>
-              <a:rPr lang="en-US" dirty="0" smtClean="0"/>
+              <a:rPr lang="en-US" dirty="0"/>
               <a:t>Every column in a given row has to add</a:t>
             </a:r>
             <a:r>
-              <a:rPr lang="en-US" baseline="0" dirty="0" smtClean="0"/>
+              <a:rPr lang="en-US" baseline="0" dirty="0"/>
               <a:t> up to 12 total.</a:t>
             </a:r>
-            <a:endParaRPr lang="en-US" baseline="0" dirty="0" smtClean="0"/>
           </a:p>
           <a:p>
-            <a:endParaRPr lang="en-US" baseline="0" dirty="0" smtClean="0"/>
+            <a:endParaRPr lang="en-US" baseline="0" dirty="0"/>
           </a:p>
           <a:p>
             <a:r>
-              <a:rPr lang="en-US" baseline="0" dirty="0" smtClean="0"/>
+              <a:rPr lang="en-US" baseline="0" dirty="0"/>
               <a:t>For example, the </a:t>
             </a:r>
             <a:r>
-              <a:rPr lang="en-US" b="1" baseline="0" dirty="0" smtClean="0"/>
+              <a:rPr lang="en-US" b="1" baseline="0" dirty="0"/>
               <a:t>col-md-1</a:t>
             </a:r>
             <a:r>
-              <a:rPr lang="en-US" b="0" baseline="0" dirty="0" smtClean="0"/>
+              <a:rPr lang="en-US" b="0" baseline="0" dirty="0"/>
               <a:t> class will set a column to be 1/12 width of the row. The </a:t>
             </a:r>
             <a:r>
-              <a:rPr lang="en-US" b="1" baseline="0" dirty="0" smtClean="0"/>
+              <a:rPr lang="en-US" b="1" baseline="0" dirty="0"/>
               <a:t>col-md-6</a:t>
             </a:r>
             <a:r>
-              <a:rPr lang="en-US" b="0" baseline="0" dirty="0" smtClean="0"/>
+              <a:rPr lang="en-US" b="0" baseline="0" dirty="0"/>
               <a:t> class will set a column to be ½ width of the row.</a:t>
             </a:r>
             <a:endParaRPr lang="en-US" dirty="0"/>
@@ -1504,20 +1502,20 @@
           <a:lstStyle/>
           <a:p>
             <a:r>
-              <a:rPr lang="en-US" dirty="0" smtClean="0"/>
+              <a:rPr lang="en-US" dirty="0"/>
               <a:t>Visit the example site to show Bootstrap</a:t>
             </a:r>
             <a:r>
-              <a:rPr lang="en-US" baseline="0" dirty="0" smtClean="0"/>
+              <a:rPr lang="en-US" baseline="0" dirty="0"/>
               <a:t> in action.</a:t>
             </a:r>
           </a:p>
           <a:p>
-            <a:endParaRPr lang="en-US" baseline="0" dirty="0" smtClean="0"/>
+            <a:endParaRPr lang="en-US" baseline="0" dirty="0"/>
           </a:p>
           <a:p>
             <a:r>
-              <a:rPr lang="en-US" baseline="0" dirty="0" smtClean="0"/>
+              <a:rPr lang="en-US" baseline="0" dirty="0"/>
               <a:t>Ask the students the questions in the list to see if they can guess the answers.</a:t>
             </a:r>
             <a:endParaRPr lang="en-US" dirty="0"/>
@@ -1700,15 +1698,7 @@
           <a:p>
             <a:r>
               <a:rPr lang="en-US" dirty="0"/>
-              <a:t>Click to edit Master </a:t>
-            </a:r>
-            <a:r>
-              <a:rPr lang="en-US" dirty="0" smtClean="0"/>
-              <a:t>subtitle </a:t>
-            </a:r>
-            <a:r>
-              <a:rPr lang="en-US" dirty="0"/>
-              <a:t>style</a:t>
+              <a:t>Click to edit Master subtitle style</a:t>
             </a:r>
           </a:p>
         </p:txBody>
@@ -1750,7 +1740,7 @@
             <a:fld id="{1C2D31DE-C454-491C-B5C3-F097855E3DF7}" type="datetime4">
               <a:rPr lang="en-US" smtClean="0"/>
               <a:pPr/>
-              <a:t>March 23, 2020</a:t>
+              <a:t>March 18, 2022</a:t>
             </a:fld>
             <a:endParaRPr lang="en-US" dirty="0"/>
           </a:p>
@@ -4824,17 +4814,16 @@
           <a:p>
             <a:pPr lvl="0"/>
             <a:r>
-              <a:rPr lang="en-US" dirty="0" smtClean="0"/>
+              <a:rPr lang="en-US" dirty="0"/>
               <a:t>Presenter Name</a:t>
             </a:r>
             <a:br>
-              <a:rPr lang="en-US" dirty="0" smtClean="0"/>
+              <a:rPr lang="en-US" dirty="0"/>
             </a:br>
             <a:r>
-              <a:rPr lang="en-US" dirty="0" smtClean="0"/>
+              <a:rPr lang="en-US" dirty="0"/>
               <a:t>Presenter Title</a:t>
             </a:r>
-            <a:endParaRPr lang="en-US" dirty="0"/>
           </a:p>
         </p:txBody>
       </p:sp>
@@ -4851,13 +4840,6 @@
   <p:transition>
     <p:fade/>
   </p:transition>
-  <p:timing>
-    <p:tnLst>
-      <p:par>
-        <p:cTn id="1" dur="indefinite" restart="never" nodeType="tmRoot"/>
-      </p:par>
-    </p:tnLst>
-  </p:timing>
   <p:hf sldNum="0" hdr="0" ftr="0"/>
 </p:sldLayout>
 </file>
@@ -5150,7 +5132,7 @@
           <a:p>
             <a:fld id="{5958763E-B898-436D-883D-03711491D54A}" type="datetimeFigureOut">
               <a:rPr lang="en-US" smtClean="0"/>
-              <a:t>3/23/2020</a:t>
+              <a:t>3/18/2022</a:t>
             </a:fld>
             <a:endParaRPr lang="en-US"/>
           </a:p>
@@ -5223,13 +5205,6 @@
   <p:transition>
     <p:fade/>
   </p:transition>
-  <p:timing>
-    <p:tnLst>
-      <p:par>
-        <p:cTn id="1" dur="indefinite" restart="never" nodeType="tmRoot"/>
-      </p:par>
-    </p:tnLst>
-  </p:timing>
 </p:sldLayout>
 </file>
 
@@ -5278,10 +5253,9 @@
           </a:lstStyle>
           <a:p>
             <a:r>
-              <a:rPr lang="en-US" dirty="0" smtClean="0"/>
+              <a:rPr lang="en-US" dirty="0"/>
               <a:t>Click icon to add picture</a:t>
             </a:r>
-            <a:endParaRPr lang="en-US" dirty="0"/>
           </a:p>
         </p:txBody>
       </p:sp>
@@ -5351,7 +5325,7 @@
           <a:p>
             <a:fld id="{5958763E-B898-436D-883D-03711491D54A}" type="datetimeFigureOut">
               <a:rPr lang="en-US" smtClean="0"/>
-              <a:t>3/23/2020</a:t>
+              <a:t>3/18/2022</a:t>
             </a:fld>
             <a:endParaRPr lang="en-US"/>
           </a:p>
@@ -5424,13 +5398,6 @@
   <p:transition>
     <p:fade/>
   </p:transition>
-  <p:timing>
-    <p:tnLst>
-      <p:par>
-        <p:cTn id="1" dur="indefinite" restart="never" nodeType="tmRoot"/>
-      </p:par>
-    </p:tnLst>
-  </p:timing>
 </p:sldLayout>
 </file>
 
@@ -5608,7 +5575,7 @@
           <a:p>
             <a:fld id="{5958763E-B898-436D-883D-03711491D54A}" type="datetimeFigureOut">
               <a:rPr lang="en-US" smtClean="0"/>
-              <a:t>3/23/2020</a:t>
+              <a:t>3/18/2022</a:t>
             </a:fld>
             <a:endParaRPr lang="en-US"/>
           </a:p>
@@ -5681,13 +5648,6 @@
   <p:transition>
     <p:fade/>
   </p:transition>
-  <p:timing>
-    <p:tnLst>
-      <p:par>
-        <p:cTn id="1" dur="indefinite" restart="never" nodeType="tmRoot"/>
-      </p:par>
-    </p:tnLst>
-  </p:timing>
 </p:sldLayout>
 </file>
 
@@ -5963,7 +5923,7 @@
           <a:p>
             <a:fld id="{5958763E-B898-436D-883D-03711491D54A}" type="datetimeFigureOut">
               <a:rPr lang="en-US" smtClean="0"/>
-              <a:t>3/23/2020</a:t>
+              <a:t>3/18/2022</a:t>
             </a:fld>
             <a:endParaRPr lang="en-US"/>
           </a:p>
@@ -6024,13 +5984,6 @@
   <p:transition>
     <p:fade/>
   </p:transition>
-  <p:timing>
-    <p:tnLst>
-      <p:par>
-        <p:cTn id="1" dur="indefinite" restart="never" nodeType="tmRoot"/>
-      </p:par>
-    </p:tnLst>
-  </p:timing>
 </p:sldLayout>
 </file>
 
@@ -6386,7 +6339,7 @@
           <a:p>
             <a:fld id="{5958763E-B898-436D-883D-03711491D54A}" type="datetimeFigureOut">
               <a:rPr lang="en-US" smtClean="0"/>
-              <a:t>3/23/2020</a:t>
+              <a:t>3/18/2022</a:t>
             </a:fld>
             <a:endParaRPr lang="en-US"/>
           </a:p>
@@ -6447,13 +6400,6 @@
   <p:transition>
     <p:fade/>
   </p:transition>
-  <p:timing>
-    <p:tnLst>
-      <p:par>
-        <p:cTn id="1" dur="indefinite" restart="never" nodeType="tmRoot"/>
-      </p:par>
-    </p:tnLst>
-  </p:timing>
 </p:sldLayout>
 </file>
 
@@ -6894,7 +6840,7 @@
           <a:p>
             <a:fld id="{5958763E-B898-436D-883D-03711491D54A}" type="datetimeFigureOut">
               <a:rPr lang="en-US" smtClean="0"/>
-              <a:t>3/23/2020</a:t>
+              <a:t>3/18/2022</a:t>
             </a:fld>
             <a:endParaRPr lang="en-US"/>
           </a:p>
@@ -6955,13 +6901,6 @@
   <p:transition>
     <p:fade/>
   </p:transition>
-  <p:timing>
-    <p:tnLst>
-      <p:par>
-        <p:cTn id="1" dur="indefinite" restart="never" nodeType="tmRoot"/>
-      </p:par>
-    </p:tnLst>
-  </p:timing>
 </p:sldLayout>
 </file>
 
@@ -7352,7 +7291,7 @@
           <a:p>
             <a:fld id="{5958763E-B898-436D-883D-03711491D54A}" type="datetimeFigureOut">
               <a:rPr lang="en-US" smtClean="0"/>
-              <a:t>3/23/2020</a:t>
+              <a:t>3/18/2022</a:t>
             </a:fld>
             <a:endParaRPr lang="en-US"/>
           </a:p>
@@ -7413,13 +7352,6 @@
   <p:transition>
     <p:fade/>
   </p:transition>
-  <p:timing>
-    <p:tnLst>
-      <p:par>
-        <p:cTn id="1" dur="indefinite" restart="never" nodeType="tmRoot"/>
-      </p:par>
-    </p:tnLst>
-  </p:timing>
 </p:sldLayout>
 </file>
 
@@ -7970,7 +7902,7 @@
           <a:p>
             <a:fld id="{5958763E-B898-436D-883D-03711491D54A}" type="datetimeFigureOut">
               <a:rPr lang="en-US" smtClean="0"/>
-              <a:t>3/23/2020</a:t>
+              <a:t>3/18/2022</a:t>
             </a:fld>
             <a:endParaRPr lang="en-US"/>
           </a:p>
@@ -8031,13 +7963,6 @@
   <p:transition>
     <p:fade/>
   </p:transition>
-  <p:timing>
-    <p:tnLst>
-      <p:par>
-        <p:cTn id="1" dur="indefinite" restart="never" nodeType="tmRoot"/>
-      </p:par>
-    </p:tnLst>
-  </p:timing>
 </p:sldLayout>
 </file>
 
@@ -8748,7 +8673,7 @@
           <a:p>
             <a:fld id="{5958763E-B898-436D-883D-03711491D54A}" type="datetimeFigureOut">
               <a:rPr lang="en-US" smtClean="0"/>
-              <a:t>3/23/2020</a:t>
+              <a:t>3/18/2022</a:t>
             </a:fld>
             <a:endParaRPr lang="en-US"/>
           </a:p>
@@ -8809,13 +8734,6 @@
   <p:transition>
     <p:fade/>
   </p:transition>
-  <p:timing>
-    <p:tnLst>
-      <p:par>
-        <p:cTn id="1" dur="indefinite" restart="never" nodeType="tmRoot"/>
-      </p:par>
-    </p:tnLst>
-  </p:timing>
 </p:sldLayout>
 </file>
 
@@ -8859,7 +8777,7 @@
           <a:p>
             <a:fld id="{5958763E-B898-436D-883D-03711491D54A}" type="datetimeFigureOut">
               <a:rPr lang="en-US" smtClean="0"/>
-              <a:t>3/23/2020</a:t>
+              <a:t>3/18/2022</a:t>
             </a:fld>
             <a:endParaRPr lang="en-US"/>
           </a:p>
@@ -8932,13 +8850,6 @@
   <p:transition>
     <p:fade/>
   </p:transition>
-  <p:timing>
-    <p:tnLst>
-      <p:par>
-        <p:cTn id="1" dur="indefinite" restart="never" nodeType="tmRoot"/>
-      </p:par>
-    </p:tnLst>
-  </p:timing>
 </p:sldLayout>
 </file>
 
@@ -9018,7 +8929,7 @@
                 <a:spcPct val="0"/>
               </a:spcAft>
             </a:pPr>
-            <a:endParaRPr lang="en-US" sz="2400" dirty="0" err="1" smtClean="0">
+            <a:endParaRPr lang="en-US" sz="2400" dirty="0" err="1">
               <a:gradFill>
                 <a:gsLst>
                   <a:gs pos="0">
@@ -9151,15 +9062,7 @@
           <a:p>
             <a:r>
               <a:rPr lang="en-US" dirty="0"/>
-              <a:t>Click to edit Master </a:t>
-            </a:r>
-            <a:r>
-              <a:rPr lang="en-US" dirty="0" smtClean="0"/>
-              <a:t>subtitle </a:t>
-            </a:r>
-            <a:r>
-              <a:rPr lang="en-US" dirty="0"/>
-              <a:t>style</a:t>
+              <a:t>Click to edit Master subtitle style</a:t>
             </a:r>
           </a:p>
         </p:txBody>
@@ -9201,7 +9104,7 @@
             <a:fld id="{1C2D31DE-C454-491C-B5C3-F097855E3DF7}" type="datetime4">
               <a:rPr lang="en-US" smtClean="0"/>
               <a:pPr/>
-              <a:t>March 23, 2020</a:t>
+              <a:t>March 18, 2022</a:t>
             </a:fld>
             <a:endParaRPr lang="en-US" dirty="0"/>
           </a:p>
@@ -12275,17 +12178,16 @@
           <a:p>
             <a:pPr lvl="0"/>
             <a:r>
-              <a:rPr lang="en-US" dirty="0" smtClean="0"/>
+              <a:rPr lang="en-US" dirty="0"/>
               <a:t>Presenter Name</a:t>
             </a:r>
             <a:br>
-              <a:rPr lang="en-US" dirty="0" smtClean="0"/>
+              <a:rPr lang="en-US" dirty="0"/>
             </a:br>
             <a:r>
-              <a:rPr lang="en-US" dirty="0" smtClean="0"/>
+              <a:rPr lang="en-US" dirty="0"/>
               <a:t>Presenter Title</a:t>
             </a:r>
-            <a:endParaRPr lang="en-US" dirty="0"/>
           </a:p>
         </p:txBody>
       </p:sp>
@@ -12302,13 +12204,6 @@
   <p:transition>
     <p:fade/>
   </p:transition>
-  <p:timing>
-    <p:tnLst>
-      <p:par>
-        <p:cTn id="1" dur="indefinite" restart="never" nodeType="tmRoot"/>
-      </p:par>
-    </p:tnLst>
-  </p:timing>
   <p:hf sldNum="0" hdr="0" ftr="0"/>
 </p:sldLayout>
 </file>
@@ -12361,7 +12256,7 @@
           <a:p>
             <a:fld id="{5958763E-B898-436D-883D-03711491D54A}" type="datetimeFigureOut">
               <a:rPr lang="en-US" smtClean="0"/>
-              <a:t>3/23/2020</a:t>
+              <a:t>3/18/2022</a:t>
             </a:fld>
             <a:endParaRPr lang="en-US"/>
           </a:p>
@@ -12434,13 +12329,6 @@
   <p:transition>
     <p:fade/>
   </p:transition>
-  <p:timing>
-    <p:tnLst>
-      <p:par>
-        <p:cTn id="1" dur="indefinite" restart="never" nodeType="tmRoot"/>
-      </p:par>
-    </p:tnLst>
-  </p:timing>
 </p:sldLayout>
 </file>
 
@@ -12492,7 +12380,7 @@
           <a:p>
             <a:fld id="{5958763E-B898-436D-883D-03711491D54A}" type="datetimeFigureOut">
               <a:rPr lang="en-US" smtClean="0"/>
-              <a:t>3/23/2020</a:t>
+              <a:t>3/18/2022</a:t>
             </a:fld>
             <a:endParaRPr lang="en-US"/>
           </a:p>
@@ -12565,13 +12453,6 @@
   <p:transition>
     <p:fade/>
   </p:transition>
-  <p:timing>
-    <p:tnLst>
-      <p:par>
-        <p:cTn id="1" dur="indefinite" restart="never" nodeType="tmRoot"/>
-      </p:par>
-    </p:tnLst>
-  </p:timing>
 </p:sldLayout>
 </file>
 
@@ -12623,7 +12504,7 @@
           <a:p>
             <a:fld id="{5958763E-B898-436D-883D-03711491D54A}" type="datetimeFigureOut">
               <a:rPr lang="en-US" smtClean="0"/>
-              <a:t>3/23/2020</a:t>
+              <a:t>3/18/2022</a:t>
             </a:fld>
             <a:endParaRPr lang="en-US"/>
           </a:p>
@@ -12696,13 +12577,6 @@
   <p:transition>
     <p:fade/>
   </p:transition>
-  <p:timing>
-    <p:tnLst>
-      <p:par>
-        <p:cTn id="1" dur="indefinite" restart="never" nodeType="tmRoot"/>
-      </p:par>
-    </p:tnLst>
-  </p:timing>
 </p:sldLayout>
 </file>
 
@@ -12754,7 +12628,7 @@
           <a:p>
             <a:fld id="{5958763E-B898-436D-883D-03711491D54A}" type="datetimeFigureOut">
               <a:rPr lang="en-US" smtClean="0"/>
-              <a:t>3/23/2020</a:t>
+              <a:t>3/18/2022</a:t>
             </a:fld>
             <a:endParaRPr lang="en-US"/>
           </a:p>
@@ -12827,13 +12701,6 @@
   <p:transition>
     <p:fade/>
   </p:transition>
-  <p:timing>
-    <p:tnLst>
-      <p:par>
-        <p:cTn id="1" dur="indefinite" restart="never" nodeType="tmRoot"/>
-      </p:par>
-    </p:tnLst>
-  </p:timing>
 </p:sldLayout>
 </file>
 
@@ -12885,7 +12752,7 @@
           <a:p>
             <a:fld id="{5958763E-B898-436D-883D-03711491D54A}" type="datetimeFigureOut">
               <a:rPr lang="en-US" smtClean="0"/>
-              <a:t>3/23/2020</a:t>
+              <a:t>3/18/2022</a:t>
             </a:fld>
             <a:endParaRPr lang="en-US"/>
           </a:p>
@@ -12958,13 +12825,6 @@
   <p:transition>
     <p:fade/>
   </p:transition>
-  <p:timing>
-    <p:tnLst>
-      <p:par>
-        <p:cTn id="1" dur="indefinite" restart="never" nodeType="tmRoot"/>
-      </p:par>
-    </p:tnLst>
-  </p:timing>
 </p:sldLayout>
 </file>
 
@@ -13016,7 +12876,7 @@
           <a:p>
             <a:fld id="{5958763E-B898-436D-883D-03711491D54A}" type="datetimeFigureOut">
               <a:rPr lang="en-US" smtClean="0"/>
-              <a:t>3/23/2020</a:t>
+              <a:t>3/18/2022</a:t>
             </a:fld>
             <a:endParaRPr lang="en-US"/>
           </a:p>
@@ -13089,13 +12949,6 @@
   <p:transition>
     <p:fade/>
   </p:transition>
-  <p:timing>
-    <p:tnLst>
-      <p:par>
-        <p:cTn id="1" dur="indefinite" restart="never" nodeType="tmRoot"/>
-      </p:par>
-    </p:tnLst>
-  </p:timing>
 </p:sldLayout>
 </file>
 
@@ -13147,7 +13000,7 @@
           <a:p>
             <a:fld id="{5958763E-B898-436D-883D-03711491D54A}" type="datetimeFigureOut">
               <a:rPr lang="en-US" smtClean="0"/>
-              <a:t>3/23/2020</a:t>
+              <a:t>3/18/2022</a:t>
             </a:fld>
             <a:endParaRPr lang="en-US"/>
           </a:p>
@@ -13220,13 +13073,6 @@
   <p:transition>
     <p:fade/>
   </p:transition>
-  <p:timing>
-    <p:tnLst>
-      <p:par>
-        <p:cTn id="1" dur="indefinite" restart="never" nodeType="tmRoot"/>
-      </p:par>
-    </p:tnLst>
-  </p:timing>
 </p:sldLayout>
 </file>
 
@@ -13278,7 +13124,7 @@
           <a:p>
             <a:fld id="{5958763E-B898-436D-883D-03711491D54A}" type="datetimeFigureOut">
               <a:rPr lang="en-US" smtClean="0"/>
-              <a:t>3/23/2020</a:t>
+              <a:t>3/18/2022</a:t>
             </a:fld>
             <a:endParaRPr lang="en-US"/>
           </a:p>
@@ -13351,13 +13197,6 @@
   <p:transition>
     <p:fade/>
   </p:transition>
-  <p:timing>
-    <p:tnLst>
-      <p:par>
-        <p:cTn id="1" dur="indefinite" restart="never" nodeType="tmRoot"/>
-      </p:par>
-    </p:tnLst>
-  </p:timing>
 </p:sldLayout>
 </file>
 
@@ -13418,7 +13257,7 @@
           <a:p>
             <a:fld id="{5958763E-B898-436D-883D-03711491D54A}" type="datetimeFigureOut">
               <a:rPr lang="en-US" smtClean="0"/>
-              <a:t>3/23/2020</a:t>
+              <a:t>3/18/2022</a:t>
             </a:fld>
             <a:endParaRPr lang="en-US"/>
           </a:p>
@@ -13491,13 +13330,6 @@
   <p:transition>
     <p:fade/>
   </p:transition>
-  <p:timing>
-    <p:tnLst>
-      <p:par>
-        <p:cTn id="1" dur="indefinite" restart="never" nodeType="tmRoot"/>
-      </p:par>
-    </p:tnLst>
-  </p:timing>
 </p:sldLayout>
 </file>
 
@@ -16499,13 +16331,6 @@
   <p:transition>
     <p:fade/>
   </p:transition>
-  <p:timing>
-    <p:tnLst>
-      <p:par>
-        <p:cTn id="1" dur="indefinite" restart="never" nodeType="tmRoot"/>
-      </p:par>
-    </p:tnLst>
-  </p:timing>
 </p:sldLayout>
 </file>
 
@@ -16593,7 +16418,7 @@
                 <a:spcPct val="0"/>
               </a:spcAft>
             </a:pPr>
-            <a:endParaRPr lang="en-US" sz="2400" dirty="0" err="1" smtClean="0">
+            <a:endParaRPr lang="en-US" sz="2400" dirty="0" err="1">
               <a:gradFill>
                 <a:gsLst>
                   <a:gs pos="0">
@@ -16729,15 +16554,7 @@
           <a:p>
             <a:r>
               <a:rPr lang="en-US" dirty="0"/>
-              <a:t>Click to edit Master </a:t>
-            </a:r>
-            <a:r>
-              <a:rPr lang="en-US" dirty="0" smtClean="0"/>
-              <a:t>subtitle </a:t>
-            </a:r>
-            <a:r>
-              <a:rPr lang="en-US" dirty="0"/>
-              <a:t>style</a:t>
+              <a:t>Click to edit Master subtitle style</a:t>
             </a:r>
           </a:p>
         </p:txBody>
@@ -16779,7 +16596,7 @@
             <a:fld id="{1C2D31DE-C454-491C-B5C3-F097855E3DF7}" type="datetime4">
               <a:rPr lang="en-US" smtClean="0"/>
               <a:pPr/>
-              <a:t>March 23, 2020</a:t>
+              <a:t>March 18, 2022</a:t>
             </a:fld>
             <a:endParaRPr lang="en-US" dirty="0"/>
           </a:p>
@@ -19861,17 +19678,16 @@
           <a:p>
             <a:pPr lvl="0"/>
             <a:r>
-              <a:rPr lang="en-US" dirty="0" smtClean="0"/>
+              <a:rPr lang="en-US" dirty="0"/>
               <a:t>Presenter Name</a:t>
             </a:r>
             <a:br>
-              <a:rPr lang="en-US" dirty="0" smtClean="0"/>
+              <a:rPr lang="en-US" dirty="0"/>
             </a:br>
             <a:r>
-              <a:rPr lang="en-US" dirty="0" smtClean="0"/>
+              <a:rPr lang="en-US" dirty="0"/>
               <a:t>Presenter Title</a:t>
             </a:r>
-            <a:endParaRPr lang="en-US" dirty="0"/>
           </a:p>
         </p:txBody>
       </p:sp>
@@ -19888,13 +19704,6 @@
   <p:transition>
     <p:fade/>
   </p:transition>
-  <p:timing>
-    <p:tnLst>
-      <p:par>
-        <p:cTn id="1" dur="indefinite" restart="never" nodeType="tmRoot"/>
-      </p:par>
-    </p:tnLst>
-  </p:timing>
   <p:hf sldNum="0" hdr="0" ftr="0"/>
 </p:sldLayout>
 </file>
@@ -27404,10 +27213,9 @@
           <a:p>
             <a:pPr lvl="0"/>
             <a:r>
-              <a:rPr lang="en-US" dirty="0" smtClean="0"/>
+              <a:rPr lang="en-US" dirty="0"/>
               <a:t>&lt;Call to action&gt;</a:t>
             </a:r>
-            <a:endParaRPr lang="en-US" dirty="0"/>
           </a:p>
         </p:txBody>
       </p:sp>
@@ -29024,7 +28832,7 @@
           <a:p>
             <a:fld id="{5958763E-B898-436D-883D-03711491D54A}" type="datetimeFigureOut">
               <a:rPr lang="en-US" smtClean="0"/>
-              <a:t>3/23/2020</a:t>
+              <a:t>3/18/2022</a:t>
             </a:fld>
             <a:endParaRPr lang="en-US"/>
           </a:p>
@@ -29151,7 +28959,7 @@
                 <a:spcPct val="0"/>
               </a:spcAft>
             </a:pPr>
-            <a:endParaRPr lang="en-US" sz="2400" dirty="0" err="1" smtClean="0">
+            <a:endParaRPr lang="en-US" sz="2400" dirty="0" err="1">
               <a:gradFill>
                 <a:gsLst>
                   <a:gs pos="0">
@@ -29182,13 +28990,6 @@
   <p:transition>
     <p:fade/>
   </p:transition>
-  <p:timing>
-    <p:tnLst>
-      <p:par>
-        <p:cTn id="1" dur="indefinite" restart="never" nodeType="tmRoot"/>
-      </p:par>
-    </p:tnLst>
-  </p:timing>
 </p:sldLayout>
 </file>
 
@@ -29433,7 +29234,7 @@
           <a:p>
             <a:fld id="{5958763E-B898-436D-883D-03711491D54A}" type="datetimeFigureOut">
               <a:rPr lang="en-US" smtClean="0"/>
-              <a:t>3/23/2020</a:t>
+              <a:t>3/18/2022</a:t>
             </a:fld>
             <a:endParaRPr lang="en-US"/>
           </a:p>
@@ -29506,13 +29307,6 @@
   <p:transition>
     <p:fade/>
   </p:transition>
-  <p:timing>
-    <p:tnLst>
-      <p:par>
-        <p:cTn id="1" dur="indefinite" restart="never" nodeType="tmRoot"/>
-      </p:par>
-    </p:tnLst>
-  </p:timing>
 </p:sldLayout>
 </file>
 
@@ -29734,7 +29528,7 @@
           <a:p>
             <a:fld id="{5958763E-B898-436D-883D-03711491D54A}" type="datetimeFigureOut">
               <a:rPr lang="en-US" smtClean="0"/>
-              <a:t>3/23/2020</a:t>
+              <a:t>3/18/2022</a:t>
             </a:fld>
             <a:endParaRPr lang="en-US"/>
           </a:p>
@@ -29807,13 +29601,6 @@
   <p:transition>
     <p:fade/>
   </p:transition>
-  <p:timing>
-    <p:tnLst>
-      <p:par>
-        <p:cTn id="1" dur="indefinite" restart="never" nodeType="tmRoot"/>
-      </p:par>
-    </p:tnLst>
-  </p:timing>
 </p:sldLayout>
 </file>
 
@@ -29942,7 +29729,7 @@
           <a:p>
             <a:fld id="{5958763E-B898-436D-883D-03711491D54A}" type="datetimeFigureOut">
               <a:rPr lang="en-US" smtClean="0"/>
-              <a:t>3/23/2020</a:t>
+              <a:t>3/18/2022</a:t>
             </a:fld>
             <a:endParaRPr lang="en-US"/>
           </a:p>
@@ -30065,13 +29852,6 @@
   <p:transition>
     <p:fade/>
   </p:transition>
-  <p:timing>
-    <p:tnLst>
-      <p:par>
-        <p:cTn id="1" dur="indefinite" restart="never" nodeType="tmRoot"/>
-      </p:par>
-    </p:tnLst>
-  </p:timing>
 </p:sldLayout>
 </file>
 
@@ -30210,7 +29990,7 @@
           <a:p>
             <a:fld id="{5958763E-B898-436D-883D-03711491D54A}" type="datetimeFigureOut">
               <a:rPr lang="en-US" smtClean="0"/>
-              <a:t>3/23/2020</a:t>
+              <a:t>3/18/2022</a:t>
             </a:fld>
             <a:endParaRPr lang="en-US"/>
           </a:p>
@@ -30337,13 +30117,6 @@
   <p:transition>
     <p:fade/>
   </p:transition>
-  <p:timing>
-    <p:tnLst>
-      <p:par>
-        <p:cTn id="1" dur="indefinite" restart="never" nodeType="tmRoot"/>
-      </p:par>
-    </p:tnLst>
-  </p:timing>
 </p:sldLayout>
 </file>
 
@@ -30505,7 +30278,7 @@
                 <a:spcPct val="0"/>
               </a:spcAft>
             </a:pPr>
-            <a:endParaRPr lang="en-US" sz="2400" dirty="0" err="1" smtClean="0">
+            <a:endParaRPr lang="en-US" sz="2400" dirty="0" err="1">
               <a:gradFill>
                 <a:gsLst>
                   <a:gs pos="0">
@@ -30556,10 +30329,9 @@
           </a:lstStyle>
           <a:p>
             <a:r>
-              <a:rPr lang="en-US" dirty="0" smtClean="0"/>
+              <a:rPr lang="en-US" dirty="0"/>
               <a:t>Type “Agenda”</a:t>
             </a:r>
-            <a:endParaRPr lang="en-US" dirty="0"/>
           </a:p>
         </p:txBody>
       </p:sp>
@@ -30683,24 +30455,23 @@
           <a:p>
             <a:pPr lvl="0"/>
             <a:r>
-              <a:rPr lang="en-US" dirty="0" smtClean="0"/>
+              <a:rPr lang="en-US" dirty="0"/>
               <a:t>Item 1</a:t>
             </a:r>
           </a:p>
           <a:p>
             <a:pPr lvl="0"/>
             <a:r>
-              <a:rPr lang="en-US" dirty="0" smtClean="0"/>
+              <a:rPr lang="en-US" dirty="0"/>
               <a:t>Item 2</a:t>
             </a:r>
           </a:p>
           <a:p>
             <a:pPr lvl="0"/>
             <a:r>
-              <a:rPr lang="en-US" dirty="0" smtClean="0"/>
+              <a:rPr lang="en-US" dirty="0"/>
               <a:t>Item 3</a:t>
             </a:r>
-            <a:endParaRPr lang="en-US" dirty="0"/>
           </a:p>
         </p:txBody>
       </p:sp>
@@ -30727,7 +30498,7 @@
           <a:p>
             <a:fld id="{5958763E-B898-436D-883D-03711491D54A}" type="datetimeFigureOut">
               <a:rPr lang="en-US" smtClean="0"/>
-              <a:t>3/23/2020</a:t>
+              <a:t>3/18/2022</a:t>
             </a:fld>
             <a:endParaRPr lang="en-US"/>
           </a:p>
@@ -30834,13 +30605,6 @@
   <p:transition>
     <p:fade/>
   </p:transition>
-  <p:timing>
-    <p:tnLst>
-      <p:par>
-        <p:cTn id="1" dur="indefinite" restart="never" nodeType="tmRoot"/>
-      </p:par>
-    </p:tnLst>
-  </p:timing>
 </p:sldLayout>
 </file>
 
@@ -31002,7 +30766,7 @@
                 <a:spcPct val="0"/>
               </a:spcAft>
             </a:pPr>
-            <a:endParaRPr lang="en-US" sz="2400" dirty="0" err="1" smtClean="0">
+            <a:endParaRPr lang="en-US" sz="2400" dirty="0" err="1">
               <a:gradFill>
                 <a:gsLst>
                   <a:gs pos="0">
@@ -31055,10 +30819,9 @@
           </a:lstStyle>
           <a:p>
             <a:r>
-              <a:rPr lang="en-US" dirty="0" smtClean="0"/>
+              <a:rPr lang="en-US" dirty="0"/>
               <a:t>Notable Quote</a:t>
             </a:r>
-            <a:endParaRPr lang="en-US" dirty="0"/>
           </a:p>
         </p:txBody>
       </p:sp>
@@ -31185,10 +30948,9 @@
           <a:p>
             <a:pPr lvl="0"/>
             <a:r>
-              <a:rPr lang="en-US" dirty="0" smtClean="0"/>
+              <a:rPr lang="en-US" dirty="0"/>
               <a:t>– Attribution</a:t>
             </a:r>
-            <a:endParaRPr lang="en-US" dirty="0"/>
           </a:p>
         </p:txBody>
       </p:sp>
@@ -31215,7 +30977,7 @@
           <a:p>
             <a:fld id="{5958763E-B898-436D-883D-03711491D54A}" type="datetimeFigureOut">
               <a:rPr lang="en-US" smtClean="0"/>
-              <a:t>3/23/2020</a:t>
+              <a:t>3/18/2022</a:t>
             </a:fld>
             <a:endParaRPr lang="en-US"/>
           </a:p>
@@ -31963,13 +31725,6 @@
   <p:transition>
     <p:fade/>
   </p:transition>
-  <p:timing>
-    <p:tnLst>
-      <p:par>
-        <p:cTn id="1" dur="indefinite" restart="never" nodeType="tmRoot"/>
-      </p:par>
-    </p:tnLst>
-  </p:timing>
 </p:sldLayout>
 </file>
 
@@ -32041,7 +31796,7 @@
           <a:p>
             <a:fld id="{5958763E-B898-436D-883D-03711491D54A}" type="datetimeFigureOut">
               <a:rPr lang="en-US" smtClean="0"/>
-              <a:t>3/23/2020</a:t>
+              <a:t>3/18/2022</a:t>
             </a:fld>
             <a:endParaRPr lang="en-US"/>
           </a:p>
@@ -32114,13 +31869,6 @@
   <p:transition>
     <p:fade/>
   </p:transition>
-  <p:timing>
-    <p:tnLst>
-      <p:par>
-        <p:cTn id="1" dur="indefinite" restart="never" nodeType="tmRoot"/>
-      </p:par>
-    </p:tnLst>
-  </p:timing>
 </p:sldLayout>
 </file>
 
@@ -32249,7 +31997,7 @@
           <a:p>
             <a:fld id="{5958763E-B898-436D-883D-03711491D54A}" type="datetimeFigureOut">
               <a:rPr lang="en-US" smtClean="0"/>
-              <a:t>3/23/2020</a:t>
+              <a:t>3/18/2022</a:t>
             </a:fld>
             <a:endParaRPr lang="en-US"/>
           </a:p>
@@ -32372,13 +32120,6 @@
   <p:transition>
     <p:fade/>
   </p:transition>
-  <p:timing>
-    <p:tnLst>
-      <p:par>
-        <p:cTn id="1" dur="indefinite" restart="never" nodeType="tmRoot"/>
-      </p:par>
-    </p:tnLst>
-  </p:timing>
 </p:sldLayout>
 </file>
 
@@ -32591,7 +32332,7 @@
           <a:p>
             <a:fld id="{5958763E-B898-436D-883D-03711491D54A}" type="datetimeFigureOut">
               <a:rPr lang="en-US" smtClean="0"/>
-              <a:t>3/23/2020</a:t>
+              <a:t>3/18/2022</a:t>
             </a:fld>
             <a:endParaRPr lang="en-US"/>
           </a:p>
@@ -32664,13 +32405,6 @@
   <p:transition>
     <p:fade/>
   </p:transition>
-  <p:timing>
-    <p:tnLst>
-      <p:par>
-        <p:cTn id="1" dur="indefinite" restart="never" nodeType="tmRoot"/>
-      </p:par>
-    </p:tnLst>
-  </p:timing>
 </p:sldLayout>
 </file>
 
@@ -32828,7 +32562,7 @@
           <a:p>
             <a:fld id="{5958763E-B898-436D-883D-03711491D54A}" type="datetimeFigureOut">
               <a:rPr lang="en-US" smtClean="0"/>
-              <a:t>3/23/2020</a:t>
+              <a:t>3/18/2022</a:t>
             </a:fld>
             <a:endParaRPr lang="en-US"/>
           </a:p>
@@ -32901,13 +32635,6 @@
   <p:transition>
     <p:fade/>
   </p:transition>
-  <p:timing>
-    <p:tnLst>
-      <p:par>
-        <p:cTn id="1" dur="indefinite" restart="never" nodeType="tmRoot"/>
-      </p:par>
-    </p:tnLst>
-  </p:timing>
 </p:sldLayout>
 </file>
 
@@ -33079,7 +32806,7 @@
           <a:p>
             <a:fld id="{5958763E-B898-436D-883D-03711491D54A}" type="datetimeFigureOut">
               <a:rPr lang="en-US" smtClean="0"/>
-              <a:t>3/23/2020</a:t>
+              <a:t>3/18/2022</a:t>
             </a:fld>
             <a:endParaRPr lang="en-US"/>
           </a:p>
@@ -33225,13 +32952,6 @@
   <p:transition>
     <p:fade/>
   </p:transition>
-  <p:timing>
-    <p:tnLst>
-      <p:par>
-        <p:cTn id="1" dur="indefinite" restart="never" nodeType="tmRoot"/>
-      </p:par>
-    </p:tnLst>
-  </p:timing>
   <p:txStyles>
     <p:titleStyle>
       <a:lvl1pPr algn="l" defTabSz="914400" rtl="0" eaLnBrk="1" latinLnBrk="0" hangingPunct="1">
@@ -33536,7 +33256,7 @@
       </a:lvl9pPr>
     </p:otherStyle>
   </p:txStyles>
-  <p:extLst mod="1">
+  <p:extLst>
     <p:ext uri="{27BBF7A9-308A-43DC-89C8-2F10F3537804}">
       <p15:sldGuideLst xmlns:p15="http://schemas.microsoft.com/office/powerpoint/2012/main">
         <p15:guide id="1" orient="horz" pos="2160" userDrawn="1">
@@ -33615,10 +33335,9 @@
           <a:lstStyle/>
           <a:p>
             <a:r>
-              <a:rPr lang="en-US" sz="6600" dirty="0" smtClean="0"/>
+              <a:rPr lang="en-US" sz="6600" dirty="0"/>
               <a:t>Responsive Web Design</a:t>
             </a:r>
-            <a:endParaRPr lang="en-US" sz="6600" dirty="0"/>
           </a:p>
         </p:txBody>
       </p:sp>
@@ -33643,10 +33362,9 @@
           <a:lstStyle/>
           <a:p>
             <a:r>
-              <a:rPr lang="en-US" dirty="0" smtClean="0"/>
+              <a:rPr lang="en-US" dirty="0"/>
               <a:t>Hy-Tech Club: Web 101</a:t>
             </a:r>
-            <a:endParaRPr lang="en-US" dirty="0"/>
           </a:p>
         </p:txBody>
       </p:sp>
@@ -36631,13 +36349,6 @@
   <p:transition>
     <p:fade/>
   </p:transition>
-  <p:timing>
-    <p:tnLst>
-      <p:par>
-        <p:cTn id="1" dur="indefinite" restart="never" nodeType="tmRoot"/>
-      </p:par>
-    </p:tnLst>
-  </p:timing>
 </p:sld>
 </file>
 
@@ -36674,10 +36385,9 @@
           <a:lstStyle/>
           <a:p>
             <a:r>
-              <a:rPr lang="en-US" dirty="0" smtClean="0"/>
+              <a:rPr lang="en-US" dirty="0"/>
               <a:t>Bootstrap Grid Columns – add up to 12</a:t>
             </a:r>
-            <a:endParaRPr lang="en-US" dirty="0"/>
           </a:p>
         </p:txBody>
       </p:sp>
@@ -36870,7 +36580,515 @@
                     <a:p>
                       <a:pPr algn="ctr"/>
                       <a:r>
-                        <a:rPr lang="en-US" b="0" dirty="0" smtClean="0">
+                        <a:rPr lang="en-US" b="0" dirty="0">
+                          <a:solidFill>
+                            <a:schemeClr val="tx1">
+                              <a:lumMod val="50000"/>
+                            </a:schemeClr>
+                          </a:solidFill>
+                        </a:rPr>
+                        <a:t>col-md-1</a:t>
+                      </a:r>
+                    </a:p>
+                  </a:txBody>
+                  <a:tcPr anchor="ctr">
+                    <a:lnL w="12700" cmpd="sng">
+                      <a:solidFill>
+                        <a:srgbClr val="B8CED0"/>
+                      </a:solidFill>
+                    </a:lnL>
+                    <a:lnR w="12700" cmpd="sng">
+                      <a:solidFill>
+                        <a:srgbClr val="B8CED0"/>
+                      </a:solidFill>
+                    </a:lnR>
+                    <a:lnT w="12700" cmpd="sng">
+                      <a:solidFill>
+                        <a:srgbClr val="B8CED0"/>
+                      </a:solidFill>
+                    </a:lnT>
+                    <a:lnB w="12700" cmpd="sng">
+                      <a:solidFill>
+                        <a:srgbClr val="B8CED0"/>
+                      </a:solidFill>
+                    </a:lnB>
+                    <a:lnTlToBr w="12700" cmpd="sng">
+                      <a:noFill/>
+                      <a:prstDash val="solid"/>
+                    </a:lnTlToBr>
+                    <a:lnBlToTr w="12700" cmpd="sng">
+                      <a:noFill/>
+                      <a:prstDash val="solid"/>
+                    </a:lnBlToTr>
+                    <a:solidFill>
+                      <a:srgbClr val="B8CED0">
+                        <a:tint val="20000"/>
+                      </a:srgbClr>
+                    </a:solidFill>
+                  </a:tcPr>
+                </a:tc>
+                <a:tc>
+                  <a:txBody>
+                    <a:bodyPr/>
+                    <a:lstStyle>
+                      <a:lvl1pPr marL="0" algn="l" defTabSz="914400" rtl="0" eaLnBrk="1" latinLnBrk="0" hangingPunct="1">
+                        <a:defRPr sz="1800" b="1" kern="1200">
+                          <a:solidFill>
+                            <a:schemeClr val="dk1"/>
+                          </a:solidFill>
+                          <a:latin typeface="Calibri" panose="020F0502020204030204"/>
+                        </a:defRPr>
+                      </a:lvl1pPr>
+                      <a:lvl2pPr marL="457200" algn="l" defTabSz="914400" rtl="0" eaLnBrk="1" latinLnBrk="0" hangingPunct="1">
+                        <a:defRPr sz="1800" b="1" kern="1200">
+                          <a:solidFill>
+                            <a:schemeClr val="dk1"/>
+                          </a:solidFill>
+                          <a:latin typeface="Calibri" panose="020F0502020204030204"/>
+                        </a:defRPr>
+                      </a:lvl2pPr>
+                      <a:lvl3pPr marL="914400" algn="l" defTabSz="914400" rtl="0" eaLnBrk="1" latinLnBrk="0" hangingPunct="1">
+                        <a:defRPr sz="1800" b="1" kern="1200">
+                          <a:solidFill>
+                            <a:schemeClr val="dk1"/>
+                          </a:solidFill>
+                          <a:latin typeface="Calibri" panose="020F0502020204030204"/>
+                        </a:defRPr>
+                      </a:lvl3pPr>
+                      <a:lvl4pPr marL="1371600" algn="l" defTabSz="914400" rtl="0" eaLnBrk="1" latinLnBrk="0" hangingPunct="1">
+                        <a:defRPr sz="1800" b="1" kern="1200">
+                          <a:solidFill>
+                            <a:schemeClr val="dk1"/>
+                          </a:solidFill>
+                          <a:latin typeface="Calibri" panose="020F0502020204030204"/>
+                        </a:defRPr>
+                      </a:lvl4pPr>
+                      <a:lvl5pPr marL="1828800" algn="l" defTabSz="914400" rtl="0" eaLnBrk="1" latinLnBrk="0" hangingPunct="1">
+                        <a:defRPr sz="1800" b="1" kern="1200">
+                          <a:solidFill>
+                            <a:schemeClr val="dk1"/>
+                          </a:solidFill>
+                          <a:latin typeface="Calibri" panose="020F0502020204030204"/>
+                        </a:defRPr>
+                      </a:lvl5pPr>
+                      <a:lvl6pPr marL="2286000" algn="l" defTabSz="914400" rtl="0" eaLnBrk="1" latinLnBrk="0" hangingPunct="1">
+                        <a:defRPr sz="1800" b="1" kern="1200">
+                          <a:solidFill>
+                            <a:schemeClr val="dk1"/>
+                          </a:solidFill>
+                          <a:latin typeface="Calibri" panose="020F0502020204030204"/>
+                        </a:defRPr>
+                      </a:lvl6pPr>
+                      <a:lvl7pPr marL="2743200" algn="l" defTabSz="914400" rtl="0" eaLnBrk="1" latinLnBrk="0" hangingPunct="1">
+                        <a:defRPr sz="1800" b="1" kern="1200">
+                          <a:solidFill>
+                            <a:schemeClr val="dk1"/>
+                          </a:solidFill>
+                          <a:latin typeface="Calibri" panose="020F0502020204030204"/>
+                        </a:defRPr>
+                      </a:lvl7pPr>
+                      <a:lvl8pPr marL="3200400" algn="l" defTabSz="914400" rtl="0" eaLnBrk="1" latinLnBrk="0" hangingPunct="1">
+                        <a:defRPr sz="1800" b="1" kern="1200">
+                          <a:solidFill>
+                            <a:schemeClr val="dk1"/>
+                          </a:solidFill>
+                          <a:latin typeface="Calibri" panose="020F0502020204030204"/>
+                        </a:defRPr>
+                      </a:lvl8pPr>
+                      <a:lvl9pPr marL="3657600" algn="l" defTabSz="914400" rtl="0" eaLnBrk="1" latinLnBrk="0" hangingPunct="1">
+                        <a:defRPr sz="1800" b="1" kern="1200">
+                          <a:solidFill>
+                            <a:schemeClr val="dk1"/>
+                          </a:solidFill>
+                          <a:latin typeface="Calibri" panose="020F0502020204030204"/>
+                        </a:defRPr>
+                      </a:lvl9pPr>
+                    </a:lstStyle>
+                    <a:p>
+                      <a:pPr algn="ctr"/>
+                      <a:r>
+                        <a:rPr lang="en-US" b="0" dirty="0">
+                          <a:solidFill>
+                            <a:schemeClr val="tx1">
+                              <a:lumMod val="50000"/>
+                            </a:schemeClr>
+                          </a:solidFill>
+                        </a:rPr>
+                        <a:t>col-md-1</a:t>
+                      </a:r>
+                    </a:p>
+                  </a:txBody>
+                  <a:tcPr anchor="ctr">
+                    <a:lnL w="12700" cmpd="sng">
+                      <a:solidFill>
+                        <a:srgbClr val="B8CED0"/>
+                      </a:solidFill>
+                    </a:lnL>
+                    <a:lnR w="12700" cmpd="sng">
+                      <a:solidFill>
+                        <a:srgbClr val="B8CED0"/>
+                      </a:solidFill>
+                    </a:lnR>
+                    <a:lnT w="12700" cmpd="sng">
+                      <a:solidFill>
+                        <a:srgbClr val="B8CED0"/>
+                      </a:solidFill>
+                    </a:lnT>
+                    <a:lnB w="12700" cmpd="sng">
+                      <a:solidFill>
+                        <a:srgbClr val="B8CED0"/>
+                      </a:solidFill>
+                    </a:lnB>
+                    <a:lnTlToBr w="12700" cmpd="sng">
+                      <a:noFill/>
+                      <a:prstDash val="solid"/>
+                    </a:lnTlToBr>
+                    <a:lnBlToTr w="12700" cmpd="sng">
+                      <a:noFill/>
+                      <a:prstDash val="solid"/>
+                    </a:lnBlToTr>
+                    <a:solidFill>
+                      <a:srgbClr val="B8CED0">
+                        <a:tint val="20000"/>
+                      </a:srgbClr>
+                    </a:solidFill>
+                  </a:tcPr>
+                </a:tc>
+                <a:tc>
+                  <a:txBody>
+                    <a:bodyPr/>
+                    <a:lstStyle>
+                      <a:lvl1pPr marL="0" algn="l" defTabSz="914400" rtl="0" eaLnBrk="1" latinLnBrk="0" hangingPunct="1">
+                        <a:defRPr sz="1800" b="1" kern="1200">
+                          <a:solidFill>
+                            <a:schemeClr val="dk1"/>
+                          </a:solidFill>
+                          <a:latin typeface="Calibri" panose="020F0502020204030204"/>
+                        </a:defRPr>
+                      </a:lvl1pPr>
+                      <a:lvl2pPr marL="457200" algn="l" defTabSz="914400" rtl="0" eaLnBrk="1" latinLnBrk="0" hangingPunct="1">
+                        <a:defRPr sz="1800" b="1" kern="1200">
+                          <a:solidFill>
+                            <a:schemeClr val="dk1"/>
+                          </a:solidFill>
+                          <a:latin typeface="Calibri" panose="020F0502020204030204"/>
+                        </a:defRPr>
+                      </a:lvl2pPr>
+                      <a:lvl3pPr marL="914400" algn="l" defTabSz="914400" rtl="0" eaLnBrk="1" latinLnBrk="0" hangingPunct="1">
+                        <a:defRPr sz="1800" b="1" kern="1200">
+                          <a:solidFill>
+                            <a:schemeClr val="dk1"/>
+                          </a:solidFill>
+                          <a:latin typeface="Calibri" panose="020F0502020204030204"/>
+                        </a:defRPr>
+                      </a:lvl3pPr>
+                      <a:lvl4pPr marL="1371600" algn="l" defTabSz="914400" rtl="0" eaLnBrk="1" latinLnBrk="0" hangingPunct="1">
+                        <a:defRPr sz="1800" b="1" kern="1200">
+                          <a:solidFill>
+                            <a:schemeClr val="dk1"/>
+                          </a:solidFill>
+                          <a:latin typeface="Calibri" panose="020F0502020204030204"/>
+                        </a:defRPr>
+                      </a:lvl4pPr>
+                      <a:lvl5pPr marL="1828800" algn="l" defTabSz="914400" rtl="0" eaLnBrk="1" latinLnBrk="0" hangingPunct="1">
+                        <a:defRPr sz="1800" b="1" kern="1200">
+                          <a:solidFill>
+                            <a:schemeClr val="dk1"/>
+                          </a:solidFill>
+                          <a:latin typeface="Calibri" panose="020F0502020204030204"/>
+                        </a:defRPr>
+                      </a:lvl5pPr>
+                      <a:lvl6pPr marL="2286000" algn="l" defTabSz="914400" rtl="0" eaLnBrk="1" latinLnBrk="0" hangingPunct="1">
+                        <a:defRPr sz="1800" b="1" kern="1200">
+                          <a:solidFill>
+                            <a:schemeClr val="dk1"/>
+                          </a:solidFill>
+                          <a:latin typeface="Calibri" panose="020F0502020204030204"/>
+                        </a:defRPr>
+                      </a:lvl6pPr>
+                      <a:lvl7pPr marL="2743200" algn="l" defTabSz="914400" rtl="0" eaLnBrk="1" latinLnBrk="0" hangingPunct="1">
+                        <a:defRPr sz="1800" b="1" kern="1200">
+                          <a:solidFill>
+                            <a:schemeClr val="dk1"/>
+                          </a:solidFill>
+                          <a:latin typeface="Calibri" panose="020F0502020204030204"/>
+                        </a:defRPr>
+                      </a:lvl7pPr>
+                      <a:lvl8pPr marL="3200400" algn="l" defTabSz="914400" rtl="0" eaLnBrk="1" latinLnBrk="0" hangingPunct="1">
+                        <a:defRPr sz="1800" b="1" kern="1200">
+                          <a:solidFill>
+                            <a:schemeClr val="dk1"/>
+                          </a:solidFill>
+                          <a:latin typeface="Calibri" panose="020F0502020204030204"/>
+                        </a:defRPr>
+                      </a:lvl8pPr>
+                      <a:lvl9pPr marL="3657600" algn="l" defTabSz="914400" rtl="0" eaLnBrk="1" latinLnBrk="0" hangingPunct="1">
+                        <a:defRPr sz="1800" b="1" kern="1200">
+                          <a:solidFill>
+                            <a:schemeClr val="dk1"/>
+                          </a:solidFill>
+                          <a:latin typeface="Calibri" panose="020F0502020204030204"/>
+                        </a:defRPr>
+                      </a:lvl9pPr>
+                    </a:lstStyle>
+                    <a:p>
+                      <a:pPr algn="ctr"/>
+                      <a:r>
+                        <a:rPr lang="en-US" b="0" dirty="0">
+                          <a:solidFill>
+                            <a:schemeClr val="tx1">
+                              <a:lumMod val="50000"/>
+                            </a:schemeClr>
+                          </a:solidFill>
+                        </a:rPr>
+                        <a:t>col-md-1</a:t>
+                      </a:r>
+                    </a:p>
+                  </a:txBody>
+                  <a:tcPr anchor="ctr">
+                    <a:lnL w="12700" cmpd="sng">
+                      <a:solidFill>
+                        <a:srgbClr val="B8CED0"/>
+                      </a:solidFill>
+                    </a:lnL>
+                    <a:lnR w="12700" cmpd="sng">
+                      <a:solidFill>
+                        <a:srgbClr val="B8CED0"/>
+                      </a:solidFill>
+                    </a:lnR>
+                    <a:lnT w="12700" cmpd="sng">
+                      <a:solidFill>
+                        <a:srgbClr val="B8CED0"/>
+                      </a:solidFill>
+                    </a:lnT>
+                    <a:lnB w="12700" cmpd="sng">
+                      <a:solidFill>
+                        <a:srgbClr val="B8CED0"/>
+                      </a:solidFill>
+                    </a:lnB>
+                    <a:lnTlToBr w="12700" cmpd="sng">
+                      <a:noFill/>
+                      <a:prstDash val="solid"/>
+                    </a:lnTlToBr>
+                    <a:lnBlToTr w="12700" cmpd="sng">
+                      <a:noFill/>
+                      <a:prstDash val="solid"/>
+                    </a:lnBlToTr>
+                    <a:solidFill>
+                      <a:srgbClr val="B8CED0">
+                        <a:tint val="20000"/>
+                      </a:srgbClr>
+                    </a:solidFill>
+                  </a:tcPr>
+                </a:tc>
+                <a:tc>
+                  <a:txBody>
+                    <a:bodyPr/>
+                    <a:lstStyle>
+                      <a:lvl1pPr marL="0" algn="l" defTabSz="914400" rtl="0" eaLnBrk="1" latinLnBrk="0" hangingPunct="1">
+                        <a:defRPr sz="1800" b="1" kern="1200">
+                          <a:solidFill>
+                            <a:schemeClr val="dk1"/>
+                          </a:solidFill>
+                          <a:latin typeface="Calibri" panose="020F0502020204030204"/>
+                        </a:defRPr>
+                      </a:lvl1pPr>
+                      <a:lvl2pPr marL="457200" algn="l" defTabSz="914400" rtl="0" eaLnBrk="1" latinLnBrk="0" hangingPunct="1">
+                        <a:defRPr sz="1800" b="1" kern="1200">
+                          <a:solidFill>
+                            <a:schemeClr val="dk1"/>
+                          </a:solidFill>
+                          <a:latin typeface="Calibri" panose="020F0502020204030204"/>
+                        </a:defRPr>
+                      </a:lvl2pPr>
+                      <a:lvl3pPr marL="914400" algn="l" defTabSz="914400" rtl="0" eaLnBrk="1" latinLnBrk="0" hangingPunct="1">
+                        <a:defRPr sz="1800" b="1" kern="1200">
+                          <a:solidFill>
+                            <a:schemeClr val="dk1"/>
+                          </a:solidFill>
+                          <a:latin typeface="Calibri" panose="020F0502020204030204"/>
+                        </a:defRPr>
+                      </a:lvl3pPr>
+                      <a:lvl4pPr marL="1371600" algn="l" defTabSz="914400" rtl="0" eaLnBrk="1" latinLnBrk="0" hangingPunct="1">
+                        <a:defRPr sz="1800" b="1" kern="1200">
+                          <a:solidFill>
+                            <a:schemeClr val="dk1"/>
+                          </a:solidFill>
+                          <a:latin typeface="Calibri" panose="020F0502020204030204"/>
+                        </a:defRPr>
+                      </a:lvl4pPr>
+                      <a:lvl5pPr marL="1828800" algn="l" defTabSz="914400" rtl="0" eaLnBrk="1" latinLnBrk="0" hangingPunct="1">
+                        <a:defRPr sz="1800" b="1" kern="1200">
+                          <a:solidFill>
+                            <a:schemeClr val="dk1"/>
+                          </a:solidFill>
+                          <a:latin typeface="Calibri" panose="020F0502020204030204"/>
+                        </a:defRPr>
+                      </a:lvl5pPr>
+                      <a:lvl6pPr marL="2286000" algn="l" defTabSz="914400" rtl="0" eaLnBrk="1" latinLnBrk="0" hangingPunct="1">
+                        <a:defRPr sz="1800" b="1" kern="1200">
+                          <a:solidFill>
+                            <a:schemeClr val="dk1"/>
+                          </a:solidFill>
+                          <a:latin typeface="Calibri" panose="020F0502020204030204"/>
+                        </a:defRPr>
+                      </a:lvl6pPr>
+                      <a:lvl7pPr marL="2743200" algn="l" defTabSz="914400" rtl="0" eaLnBrk="1" latinLnBrk="0" hangingPunct="1">
+                        <a:defRPr sz="1800" b="1" kern="1200">
+                          <a:solidFill>
+                            <a:schemeClr val="dk1"/>
+                          </a:solidFill>
+                          <a:latin typeface="Calibri" panose="020F0502020204030204"/>
+                        </a:defRPr>
+                      </a:lvl7pPr>
+                      <a:lvl8pPr marL="3200400" algn="l" defTabSz="914400" rtl="0" eaLnBrk="1" latinLnBrk="0" hangingPunct="1">
+                        <a:defRPr sz="1800" b="1" kern="1200">
+                          <a:solidFill>
+                            <a:schemeClr val="dk1"/>
+                          </a:solidFill>
+                          <a:latin typeface="Calibri" panose="020F0502020204030204"/>
+                        </a:defRPr>
+                      </a:lvl8pPr>
+                      <a:lvl9pPr marL="3657600" algn="l" defTabSz="914400" rtl="0" eaLnBrk="1" latinLnBrk="0" hangingPunct="1">
+                        <a:defRPr sz="1800" b="1" kern="1200">
+                          <a:solidFill>
+                            <a:schemeClr val="dk1"/>
+                          </a:solidFill>
+                          <a:latin typeface="Calibri" panose="020F0502020204030204"/>
+                        </a:defRPr>
+                      </a:lvl9pPr>
+                    </a:lstStyle>
+                    <a:p>
+                      <a:pPr algn="ctr"/>
+                      <a:r>
+                        <a:rPr lang="en-US" b="0" dirty="0">
+                          <a:solidFill>
+                            <a:schemeClr val="tx1">
+                              <a:lumMod val="50000"/>
+                            </a:schemeClr>
+                          </a:solidFill>
+                        </a:rPr>
+                        <a:t>col-md-1</a:t>
+                      </a:r>
+                    </a:p>
+                  </a:txBody>
+                  <a:tcPr anchor="ctr">
+                    <a:lnL w="12700" cmpd="sng">
+                      <a:solidFill>
+                        <a:srgbClr val="B8CED0"/>
+                      </a:solidFill>
+                    </a:lnL>
+                    <a:lnR w="12700" cmpd="sng">
+                      <a:solidFill>
+                        <a:srgbClr val="B8CED0"/>
+                      </a:solidFill>
+                    </a:lnR>
+                    <a:lnT w="12700" cmpd="sng">
+                      <a:solidFill>
+                        <a:srgbClr val="B8CED0"/>
+                      </a:solidFill>
+                    </a:lnT>
+                    <a:lnB w="12700" cmpd="sng">
+                      <a:solidFill>
+                        <a:srgbClr val="B8CED0"/>
+                      </a:solidFill>
+                    </a:lnB>
+                    <a:lnTlToBr w="12700" cmpd="sng">
+                      <a:noFill/>
+                      <a:prstDash val="solid"/>
+                    </a:lnTlToBr>
+                    <a:lnBlToTr w="12700" cmpd="sng">
+                      <a:noFill/>
+                      <a:prstDash val="solid"/>
+                    </a:lnBlToTr>
+                    <a:solidFill>
+                      <a:srgbClr val="B8CED0">
+                        <a:tint val="20000"/>
+                      </a:srgbClr>
+                    </a:solidFill>
+                  </a:tcPr>
+                </a:tc>
+                <a:tc>
+                  <a:txBody>
+                    <a:bodyPr/>
+                    <a:lstStyle>
+                      <a:lvl1pPr marL="0" algn="l" defTabSz="914400" rtl="0" eaLnBrk="1" latinLnBrk="0" hangingPunct="1">
+                        <a:defRPr sz="1800" b="1" kern="1200">
+                          <a:solidFill>
+                            <a:schemeClr val="dk1"/>
+                          </a:solidFill>
+                          <a:latin typeface="Calibri" panose="020F0502020204030204"/>
+                        </a:defRPr>
+                      </a:lvl1pPr>
+                      <a:lvl2pPr marL="457200" algn="l" defTabSz="914400" rtl="0" eaLnBrk="1" latinLnBrk="0" hangingPunct="1">
+                        <a:defRPr sz="1800" b="1" kern="1200">
+                          <a:solidFill>
+                            <a:schemeClr val="dk1"/>
+                          </a:solidFill>
+                          <a:latin typeface="Calibri" panose="020F0502020204030204"/>
+                        </a:defRPr>
+                      </a:lvl2pPr>
+                      <a:lvl3pPr marL="914400" algn="l" defTabSz="914400" rtl="0" eaLnBrk="1" latinLnBrk="0" hangingPunct="1">
+                        <a:defRPr sz="1800" b="1" kern="1200">
+                          <a:solidFill>
+                            <a:schemeClr val="dk1"/>
+                          </a:solidFill>
+                          <a:latin typeface="Calibri" panose="020F0502020204030204"/>
+                        </a:defRPr>
+                      </a:lvl3pPr>
+                      <a:lvl4pPr marL="1371600" algn="l" defTabSz="914400" rtl="0" eaLnBrk="1" latinLnBrk="0" hangingPunct="1">
+                        <a:defRPr sz="1800" b="1" kern="1200">
+                          <a:solidFill>
+                            <a:schemeClr val="dk1"/>
+                          </a:solidFill>
+                          <a:latin typeface="Calibri" panose="020F0502020204030204"/>
+                        </a:defRPr>
+                      </a:lvl4pPr>
+                      <a:lvl5pPr marL="1828800" algn="l" defTabSz="914400" rtl="0" eaLnBrk="1" latinLnBrk="0" hangingPunct="1">
+                        <a:defRPr sz="1800" b="1" kern="1200">
+                          <a:solidFill>
+                            <a:schemeClr val="dk1"/>
+                          </a:solidFill>
+                          <a:latin typeface="Calibri" panose="020F0502020204030204"/>
+                        </a:defRPr>
+                      </a:lvl5pPr>
+                      <a:lvl6pPr marL="2286000" algn="l" defTabSz="914400" rtl="0" eaLnBrk="1" latinLnBrk="0" hangingPunct="1">
+                        <a:defRPr sz="1800" b="1" kern="1200">
+                          <a:solidFill>
+                            <a:schemeClr val="dk1"/>
+                          </a:solidFill>
+                          <a:latin typeface="Calibri" panose="020F0502020204030204"/>
+                        </a:defRPr>
+                      </a:lvl6pPr>
+                      <a:lvl7pPr marL="2743200" algn="l" defTabSz="914400" rtl="0" eaLnBrk="1" latinLnBrk="0" hangingPunct="1">
+                        <a:defRPr sz="1800" b="1" kern="1200">
+                          <a:solidFill>
+                            <a:schemeClr val="dk1"/>
+                          </a:solidFill>
+                          <a:latin typeface="Calibri" panose="020F0502020204030204"/>
+                        </a:defRPr>
+                      </a:lvl7pPr>
+                      <a:lvl8pPr marL="3200400" algn="l" defTabSz="914400" rtl="0" eaLnBrk="1" latinLnBrk="0" hangingPunct="1">
+                        <a:defRPr sz="1800" b="1" kern="1200">
+                          <a:solidFill>
+                            <a:schemeClr val="dk1"/>
+                          </a:solidFill>
+                          <a:latin typeface="Calibri" panose="020F0502020204030204"/>
+                        </a:defRPr>
+                      </a:lvl8pPr>
+                      <a:lvl9pPr marL="3657600" algn="l" defTabSz="914400" rtl="0" eaLnBrk="1" latinLnBrk="0" hangingPunct="1">
+                        <a:defRPr sz="1800" b="1" kern="1200">
+                          <a:solidFill>
+                            <a:schemeClr val="dk1"/>
+                          </a:solidFill>
+                          <a:latin typeface="Calibri" panose="020F0502020204030204"/>
+                        </a:defRPr>
+                      </a:lvl9pPr>
+                    </a:lstStyle>
+                    <a:p>
+                      <a:pPr algn="ctr"/>
+                      <a:r>
+                        <a:rPr lang="en-US" b="0">
                           <a:solidFill>
                             <a:schemeClr val="tx1">
                               <a:lumMod val="50000"/>
@@ -37004,7 +37222,7 @@
                     <a:p>
                       <a:pPr algn="ctr"/>
                       <a:r>
-                        <a:rPr lang="en-US" b="0" dirty="0" smtClean="0">
+                        <a:rPr lang="en-US" b="0" dirty="0">
                           <a:solidFill>
                             <a:schemeClr val="tx1">
                               <a:lumMod val="50000"/>
@@ -37013,13 +37231,6 @@
                         </a:rPr>
                         <a:t>col-md-1</a:t>
                       </a:r>
-                      <a:endParaRPr lang="en-US" b="0" dirty="0">
-                        <a:solidFill>
-                          <a:schemeClr val="tx1">
-                            <a:lumMod val="50000"/>
-                          </a:schemeClr>
-                        </a:solidFill>
-                      </a:endParaRPr>
                     </a:p>
                   </a:txBody>
                   <a:tcPr anchor="ctr">
@@ -37138,7 +37349,7 @@
                     <a:p>
                       <a:pPr algn="ctr"/>
                       <a:r>
-                        <a:rPr lang="en-US" b="0" dirty="0" smtClean="0">
+                        <a:rPr lang="en-US" b="0" dirty="0">
                           <a:solidFill>
                             <a:schemeClr val="tx1">
                               <a:lumMod val="50000"/>
@@ -37147,13 +37358,6 @@
                         </a:rPr>
                         <a:t>col-md-1</a:t>
                       </a:r>
-                      <a:endParaRPr lang="en-US" b="0" dirty="0">
-                        <a:solidFill>
-                          <a:schemeClr val="tx1">
-                            <a:lumMod val="50000"/>
-                          </a:schemeClr>
-                        </a:solidFill>
-                      </a:endParaRPr>
                     </a:p>
                   </a:txBody>
                   <a:tcPr anchor="ctr">
@@ -37272,7 +37476,7 @@
                     <a:p>
                       <a:pPr algn="ctr"/>
                       <a:r>
-                        <a:rPr lang="en-US" b="0" dirty="0" smtClean="0">
+                        <a:rPr lang="en-US" b="0" dirty="0">
                           <a:solidFill>
                             <a:schemeClr val="tx1">
                               <a:lumMod val="50000"/>
@@ -37281,13 +37485,6 @@
                         </a:rPr>
                         <a:t>col-md-1</a:t>
                       </a:r>
-                      <a:endParaRPr lang="en-US" b="0" dirty="0">
-                        <a:solidFill>
-                          <a:schemeClr val="tx1">
-                            <a:lumMod val="50000"/>
-                          </a:schemeClr>
-                        </a:solidFill>
-                      </a:endParaRPr>
                     </a:p>
                   </a:txBody>
                   <a:tcPr anchor="ctr">
@@ -37406,7 +37603,7 @@
                     <a:p>
                       <a:pPr algn="ctr"/>
                       <a:r>
-                        <a:rPr lang="en-US" b="0" smtClean="0">
+                        <a:rPr lang="en-US" b="0" dirty="0">
                           <a:solidFill>
                             <a:schemeClr val="tx1">
                               <a:lumMod val="50000"/>
@@ -37415,13 +37612,6 @@
                         </a:rPr>
                         <a:t>col-md-1</a:t>
                       </a:r>
-                      <a:endParaRPr lang="en-US" b="0" dirty="0">
-                        <a:solidFill>
-                          <a:schemeClr val="tx1">
-                            <a:lumMod val="50000"/>
-                          </a:schemeClr>
-                        </a:solidFill>
-                      </a:endParaRPr>
                     </a:p>
                   </a:txBody>
                   <a:tcPr anchor="ctr">
@@ -37540,7 +37730,7 @@
                     <a:p>
                       <a:pPr algn="ctr"/>
                       <a:r>
-                        <a:rPr lang="en-US" b="0" dirty="0" smtClean="0">
+                        <a:rPr lang="en-US" b="0" dirty="0">
                           <a:solidFill>
                             <a:schemeClr val="tx1">
                               <a:lumMod val="50000"/>
@@ -37549,13 +37739,6 @@
                         </a:rPr>
                         <a:t>col-md-1</a:t>
                       </a:r>
-                      <a:endParaRPr lang="en-US" b="0" dirty="0">
-                        <a:solidFill>
-                          <a:schemeClr val="tx1">
-                            <a:lumMod val="50000"/>
-                          </a:schemeClr>
-                        </a:solidFill>
-                      </a:endParaRPr>
                     </a:p>
                   </a:txBody>
                   <a:tcPr anchor="ctr">
@@ -37674,7 +37857,7 @@
                     <a:p>
                       <a:pPr algn="ctr"/>
                       <a:r>
-                        <a:rPr lang="en-US" b="0" dirty="0" smtClean="0">
+                        <a:rPr lang="en-US" b="0" dirty="0">
                           <a:solidFill>
                             <a:schemeClr val="tx1">
                               <a:lumMod val="50000"/>
@@ -37683,13 +37866,6 @@
                         </a:rPr>
                         <a:t>col-md-1</a:t>
                       </a:r>
-                      <a:endParaRPr lang="en-US" b="0" dirty="0">
-                        <a:solidFill>
-                          <a:schemeClr val="tx1">
-                            <a:lumMod val="50000"/>
-                          </a:schemeClr>
-                        </a:solidFill>
-                      </a:endParaRPr>
                     </a:p>
                   </a:txBody>
                   <a:tcPr anchor="ctr">
@@ -37808,7 +37984,7 @@
                     <a:p>
                       <a:pPr algn="ctr"/>
                       <a:r>
-                        <a:rPr lang="en-US" b="0" dirty="0" smtClean="0">
+                        <a:rPr lang="en-US" b="0" dirty="0">
                           <a:solidFill>
                             <a:schemeClr val="tx1">
                               <a:lumMod val="50000"/>
@@ -37817,549 +37993,6 @@
                         </a:rPr>
                         <a:t>col-md-1</a:t>
                       </a:r>
-                      <a:endParaRPr lang="en-US" b="0" dirty="0">
-                        <a:solidFill>
-                          <a:schemeClr val="tx1">
-                            <a:lumMod val="50000"/>
-                          </a:schemeClr>
-                        </a:solidFill>
-                      </a:endParaRPr>
-                    </a:p>
-                  </a:txBody>
-                  <a:tcPr anchor="ctr">
-                    <a:lnL w="12700" cmpd="sng">
-                      <a:solidFill>
-                        <a:srgbClr val="B8CED0"/>
-                      </a:solidFill>
-                    </a:lnL>
-                    <a:lnR w="12700" cmpd="sng">
-                      <a:solidFill>
-                        <a:srgbClr val="B8CED0"/>
-                      </a:solidFill>
-                    </a:lnR>
-                    <a:lnT w="12700" cmpd="sng">
-                      <a:solidFill>
-                        <a:srgbClr val="B8CED0"/>
-                      </a:solidFill>
-                    </a:lnT>
-                    <a:lnB w="12700" cmpd="sng">
-                      <a:solidFill>
-                        <a:srgbClr val="B8CED0"/>
-                      </a:solidFill>
-                    </a:lnB>
-                    <a:lnTlToBr w="12700" cmpd="sng">
-                      <a:noFill/>
-                      <a:prstDash val="solid"/>
-                    </a:lnTlToBr>
-                    <a:lnBlToTr w="12700" cmpd="sng">
-                      <a:noFill/>
-                      <a:prstDash val="solid"/>
-                    </a:lnBlToTr>
-                    <a:solidFill>
-                      <a:srgbClr val="B8CED0">
-                        <a:tint val="20000"/>
-                      </a:srgbClr>
-                    </a:solidFill>
-                  </a:tcPr>
-                </a:tc>
-                <a:tc>
-                  <a:txBody>
-                    <a:bodyPr/>
-                    <a:lstStyle>
-                      <a:lvl1pPr marL="0" algn="l" defTabSz="914400" rtl="0" eaLnBrk="1" latinLnBrk="0" hangingPunct="1">
-                        <a:defRPr sz="1800" b="1" kern="1200">
-                          <a:solidFill>
-                            <a:schemeClr val="dk1"/>
-                          </a:solidFill>
-                          <a:latin typeface="Calibri" panose="020F0502020204030204"/>
-                        </a:defRPr>
-                      </a:lvl1pPr>
-                      <a:lvl2pPr marL="457200" algn="l" defTabSz="914400" rtl="0" eaLnBrk="1" latinLnBrk="0" hangingPunct="1">
-                        <a:defRPr sz="1800" b="1" kern="1200">
-                          <a:solidFill>
-                            <a:schemeClr val="dk1"/>
-                          </a:solidFill>
-                          <a:latin typeface="Calibri" panose="020F0502020204030204"/>
-                        </a:defRPr>
-                      </a:lvl2pPr>
-                      <a:lvl3pPr marL="914400" algn="l" defTabSz="914400" rtl="0" eaLnBrk="1" latinLnBrk="0" hangingPunct="1">
-                        <a:defRPr sz="1800" b="1" kern="1200">
-                          <a:solidFill>
-                            <a:schemeClr val="dk1"/>
-                          </a:solidFill>
-                          <a:latin typeface="Calibri" panose="020F0502020204030204"/>
-                        </a:defRPr>
-                      </a:lvl3pPr>
-                      <a:lvl4pPr marL="1371600" algn="l" defTabSz="914400" rtl="0" eaLnBrk="1" latinLnBrk="0" hangingPunct="1">
-                        <a:defRPr sz="1800" b="1" kern="1200">
-                          <a:solidFill>
-                            <a:schemeClr val="dk1"/>
-                          </a:solidFill>
-                          <a:latin typeface="Calibri" panose="020F0502020204030204"/>
-                        </a:defRPr>
-                      </a:lvl4pPr>
-                      <a:lvl5pPr marL="1828800" algn="l" defTabSz="914400" rtl="0" eaLnBrk="1" latinLnBrk="0" hangingPunct="1">
-                        <a:defRPr sz="1800" b="1" kern="1200">
-                          <a:solidFill>
-                            <a:schemeClr val="dk1"/>
-                          </a:solidFill>
-                          <a:latin typeface="Calibri" panose="020F0502020204030204"/>
-                        </a:defRPr>
-                      </a:lvl5pPr>
-                      <a:lvl6pPr marL="2286000" algn="l" defTabSz="914400" rtl="0" eaLnBrk="1" latinLnBrk="0" hangingPunct="1">
-                        <a:defRPr sz="1800" b="1" kern="1200">
-                          <a:solidFill>
-                            <a:schemeClr val="dk1"/>
-                          </a:solidFill>
-                          <a:latin typeface="Calibri" panose="020F0502020204030204"/>
-                        </a:defRPr>
-                      </a:lvl6pPr>
-                      <a:lvl7pPr marL="2743200" algn="l" defTabSz="914400" rtl="0" eaLnBrk="1" latinLnBrk="0" hangingPunct="1">
-                        <a:defRPr sz="1800" b="1" kern="1200">
-                          <a:solidFill>
-                            <a:schemeClr val="dk1"/>
-                          </a:solidFill>
-                          <a:latin typeface="Calibri" panose="020F0502020204030204"/>
-                        </a:defRPr>
-                      </a:lvl7pPr>
-                      <a:lvl8pPr marL="3200400" algn="l" defTabSz="914400" rtl="0" eaLnBrk="1" latinLnBrk="0" hangingPunct="1">
-                        <a:defRPr sz="1800" b="1" kern="1200">
-                          <a:solidFill>
-                            <a:schemeClr val="dk1"/>
-                          </a:solidFill>
-                          <a:latin typeface="Calibri" panose="020F0502020204030204"/>
-                        </a:defRPr>
-                      </a:lvl8pPr>
-                      <a:lvl9pPr marL="3657600" algn="l" defTabSz="914400" rtl="0" eaLnBrk="1" latinLnBrk="0" hangingPunct="1">
-                        <a:defRPr sz="1800" b="1" kern="1200">
-                          <a:solidFill>
-                            <a:schemeClr val="dk1"/>
-                          </a:solidFill>
-                          <a:latin typeface="Calibri" panose="020F0502020204030204"/>
-                        </a:defRPr>
-                      </a:lvl9pPr>
-                    </a:lstStyle>
-                    <a:p>
-                      <a:pPr algn="ctr"/>
-                      <a:r>
-                        <a:rPr lang="en-US" b="0" dirty="0" smtClean="0">
-                          <a:solidFill>
-                            <a:schemeClr val="tx1">
-                              <a:lumMod val="50000"/>
-                            </a:schemeClr>
-                          </a:solidFill>
-                        </a:rPr>
-                        <a:t>col-md-1</a:t>
-                      </a:r>
-                      <a:endParaRPr lang="en-US" b="0" dirty="0">
-                        <a:solidFill>
-                          <a:schemeClr val="tx1">
-                            <a:lumMod val="50000"/>
-                          </a:schemeClr>
-                        </a:solidFill>
-                      </a:endParaRPr>
-                    </a:p>
-                  </a:txBody>
-                  <a:tcPr anchor="ctr">
-                    <a:lnL w="12700" cmpd="sng">
-                      <a:solidFill>
-                        <a:srgbClr val="B8CED0"/>
-                      </a:solidFill>
-                    </a:lnL>
-                    <a:lnR w="12700" cmpd="sng">
-                      <a:solidFill>
-                        <a:srgbClr val="B8CED0"/>
-                      </a:solidFill>
-                    </a:lnR>
-                    <a:lnT w="12700" cmpd="sng">
-                      <a:solidFill>
-                        <a:srgbClr val="B8CED0"/>
-                      </a:solidFill>
-                    </a:lnT>
-                    <a:lnB w="12700" cmpd="sng">
-                      <a:solidFill>
-                        <a:srgbClr val="B8CED0"/>
-                      </a:solidFill>
-                    </a:lnB>
-                    <a:lnTlToBr w="12700" cmpd="sng">
-                      <a:noFill/>
-                      <a:prstDash val="solid"/>
-                    </a:lnTlToBr>
-                    <a:lnBlToTr w="12700" cmpd="sng">
-                      <a:noFill/>
-                      <a:prstDash val="solid"/>
-                    </a:lnBlToTr>
-                    <a:solidFill>
-                      <a:srgbClr val="B8CED0">
-                        <a:tint val="20000"/>
-                      </a:srgbClr>
-                    </a:solidFill>
-                  </a:tcPr>
-                </a:tc>
-                <a:tc>
-                  <a:txBody>
-                    <a:bodyPr/>
-                    <a:lstStyle>
-                      <a:lvl1pPr marL="0" algn="l" defTabSz="914400" rtl="0" eaLnBrk="1" latinLnBrk="0" hangingPunct="1">
-                        <a:defRPr sz="1800" b="1" kern="1200">
-                          <a:solidFill>
-                            <a:schemeClr val="dk1"/>
-                          </a:solidFill>
-                          <a:latin typeface="Calibri" panose="020F0502020204030204"/>
-                        </a:defRPr>
-                      </a:lvl1pPr>
-                      <a:lvl2pPr marL="457200" algn="l" defTabSz="914400" rtl="0" eaLnBrk="1" latinLnBrk="0" hangingPunct="1">
-                        <a:defRPr sz="1800" b="1" kern="1200">
-                          <a:solidFill>
-                            <a:schemeClr val="dk1"/>
-                          </a:solidFill>
-                          <a:latin typeface="Calibri" panose="020F0502020204030204"/>
-                        </a:defRPr>
-                      </a:lvl2pPr>
-                      <a:lvl3pPr marL="914400" algn="l" defTabSz="914400" rtl="0" eaLnBrk="1" latinLnBrk="0" hangingPunct="1">
-                        <a:defRPr sz="1800" b="1" kern="1200">
-                          <a:solidFill>
-                            <a:schemeClr val="dk1"/>
-                          </a:solidFill>
-                          <a:latin typeface="Calibri" panose="020F0502020204030204"/>
-                        </a:defRPr>
-                      </a:lvl3pPr>
-                      <a:lvl4pPr marL="1371600" algn="l" defTabSz="914400" rtl="0" eaLnBrk="1" latinLnBrk="0" hangingPunct="1">
-                        <a:defRPr sz="1800" b="1" kern="1200">
-                          <a:solidFill>
-                            <a:schemeClr val="dk1"/>
-                          </a:solidFill>
-                          <a:latin typeface="Calibri" panose="020F0502020204030204"/>
-                        </a:defRPr>
-                      </a:lvl4pPr>
-                      <a:lvl5pPr marL="1828800" algn="l" defTabSz="914400" rtl="0" eaLnBrk="1" latinLnBrk="0" hangingPunct="1">
-                        <a:defRPr sz="1800" b="1" kern="1200">
-                          <a:solidFill>
-                            <a:schemeClr val="dk1"/>
-                          </a:solidFill>
-                          <a:latin typeface="Calibri" panose="020F0502020204030204"/>
-                        </a:defRPr>
-                      </a:lvl5pPr>
-                      <a:lvl6pPr marL="2286000" algn="l" defTabSz="914400" rtl="0" eaLnBrk="1" latinLnBrk="0" hangingPunct="1">
-                        <a:defRPr sz="1800" b="1" kern="1200">
-                          <a:solidFill>
-                            <a:schemeClr val="dk1"/>
-                          </a:solidFill>
-                          <a:latin typeface="Calibri" panose="020F0502020204030204"/>
-                        </a:defRPr>
-                      </a:lvl6pPr>
-                      <a:lvl7pPr marL="2743200" algn="l" defTabSz="914400" rtl="0" eaLnBrk="1" latinLnBrk="0" hangingPunct="1">
-                        <a:defRPr sz="1800" b="1" kern="1200">
-                          <a:solidFill>
-                            <a:schemeClr val="dk1"/>
-                          </a:solidFill>
-                          <a:latin typeface="Calibri" panose="020F0502020204030204"/>
-                        </a:defRPr>
-                      </a:lvl7pPr>
-                      <a:lvl8pPr marL="3200400" algn="l" defTabSz="914400" rtl="0" eaLnBrk="1" latinLnBrk="0" hangingPunct="1">
-                        <a:defRPr sz="1800" b="1" kern="1200">
-                          <a:solidFill>
-                            <a:schemeClr val="dk1"/>
-                          </a:solidFill>
-                          <a:latin typeface="Calibri" panose="020F0502020204030204"/>
-                        </a:defRPr>
-                      </a:lvl8pPr>
-                      <a:lvl9pPr marL="3657600" algn="l" defTabSz="914400" rtl="0" eaLnBrk="1" latinLnBrk="0" hangingPunct="1">
-                        <a:defRPr sz="1800" b="1" kern="1200">
-                          <a:solidFill>
-                            <a:schemeClr val="dk1"/>
-                          </a:solidFill>
-                          <a:latin typeface="Calibri" panose="020F0502020204030204"/>
-                        </a:defRPr>
-                      </a:lvl9pPr>
-                    </a:lstStyle>
-                    <a:p>
-                      <a:pPr algn="ctr"/>
-                      <a:r>
-                        <a:rPr lang="en-US" b="0" dirty="0" smtClean="0">
-                          <a:solidFill>
-                            <a:schemeClr val="tx1">
-                              <a:lumMod val="50000"/>
-                            </a:schemeClr>
-                          </a:solidFill>
-                        </a:rPr>
-                        <a:t>col-md-1</a:t>
-                      </a:r>
-                      <a:endParaRPr lang="en-US" b="0" dirty="0">
-                        <a:solidFill>
-                          <a:schemeClr val="tx1">
-                            <a:lumMod val="50000"/>
-                          </a:schemeClr>
-                        </a:solidFill>
-                      </a:endParaRPr>
-                    </a:p>
-                  </a:txBody>
-                  <a:tcPr anchor="ctr">
-                    <a:lnL w="12700" cmpd="sng">
-                      <a:solidFill>
-                        <a:srgbClr val="B8CED0"/>
-                      </a:solidFill>
-                    </a:lnL>
-                    <a:lnR w="12700" cmpd="sng">
-                      <a:solidFill>
-                        <a:srgbClr val="B8CED0"/>
-                      </a:solidFill>
-                    </a:lnR>
-                    <a:lnT w="12700" cmpd="sng">
-                      <a:solidFill>
-                        <a:srgbClr val="B8CED0"/>
-                      </a:solidFill>
-                    </a:lnT>
-                    <a:lnB w="12700" cmpd="sng">
-                      <a:solidFill>
-                        <a:srgbClr val="B8CED0"/>
-                      </a:solidFill>
-                    </a:lnB>
-                    <a:lnTlToBr w="12700" cmpd="sng">
-                      <a:noFill/>
-                      <a:prstDash val="solid"/>
-                    </a:lnTlToBr>
-                    <a:lnBlToTr w="12700" cmpd="sng">
-                      <a:noFill/>
-                      <a:prstDash val="solid"/>
-                    </a:lnBlToTr>
-                    <a:solidFill>
-                      <a:srgbClr val="B8CED0">
-                        <a:tint val="20000"/>
-                      </a:srgbClr>
-                    </a:solidFill>
-                  </a:tcPr>
-                </a:tc>
-                <a:tc>
-                  <a:txBody>
-                    <a:bodyPr/>
-                    <a:lstStyle>
-                      <a:lvl1pPr marL="0" algn="l" defTabSz="914400" rtl="0" eaLnBrk="1" latinLnBrk="0" hangingPunct="1">
-                        <a:defRPr sz="1800" b="1" kern="1200">
-                          <a:solidFill>
-                            <a:schemeClr val="dk1"/>
-                          </a:solidFill>
-                          <a:latin typeface="Calibri" panose="020F0502020204030204"/>
-                        </a:defRPr>
-                      </a:lvl1pPr>
-                      <a:lvl2pPr marL="457200" algn="l" defTabSz="914400" rtl="0" eaLnBrk="1" latinLnBrk="0" hangingPunct="1">
-                        <a:defRPr sz="1800" b="1" kern="1200">
-                          <a:solidFill>
-                            <a:schemeClr val="dk1"/>
-                          </a:solidFill>
-                          <a:latin typeface="Calibri" panose="020F0502020204030204"/>
-                        </a:defRPr>
-                      </a:lvl2pPr>
-                      <a:lvl3pPr marL="914400" algn="l" defTabSz="914400" rtl="0" eaLnBrk="1" latinLnBrk="0" hangingPunct="1">
-                        <a:defRPr sz="1800" b="1" kern="1200">
-                          <a:solidFill>
-                            <a:schemeClr val="dk1"/>
-                          </a:solidFill>
-                          <a:latin typeface="Calibri" panose="020F0502020204030204"/>
-                        </a:defRPr>
-                      </a:lvl3pPr>
-                      <a:lvl4pPr marL="1371600" algn="l" defTabSz="914400" rtl="0" eaLnBrk="1" latinLnBrk="0" hangingPunct="1">
-                        <a:defRPr sz="1800" b="1" kern="1200">
-                          <a:solidFill>
-                            <a:schemeClr val="dk1"/>
-                          </a:solidFill>
-                          <a:latin typeface="Calibri" panose="020F0502020204030204"/>
-                        </a:defRPr>
-                      </a:lvl4pPr>
-                      <a:lvl5pPr marL="1828800" algn="l" defTabSz="914400" rtl="0" eaLnBrk="1" latinLnBrk="0" hangingPunct="1">
-                        <a:defRPr sz="1800" b="1" kern="1200">
-                          <a:solidFill>
-                            <a:schemeClr val="dk1"/>
-                          </a:solidFill>
-                          <a:latin typeface="Calibri" panose="020F0502020204030204"/>
-                        </a:defRPr>
-                      </a:lvl5pPr>
-                      <a:lvl6pPr marL="2286000" algn="l" defTabSz="914400" rtl="0" eaLnBrk="1" latinLnBrk="0" hangingPunct="1">
-                        <a:defRPr sz="1800" b="1" kern="1200">
-                          <a:solidFill>
-                            <a:schemeClr val="dk1"/>
-                          </a:solidFill>
-                          <a:latin typeface="Calibri" panose="020F0502020204030204"/>
-                        </a:defRPr>
-                      </a:lvl6pPr>
-                      <a:lvl7pPr marL="2743200" algn="l" defTabSz="914400" rtl="0" eaLnBrk="1" latinLnBrk="0" hangingPunct="1">
-                        <a:defRPr sz="1800" b="1" kern="1200">
-                          <a:solidFill>
-                            <a:schemeClr val="dk1"/>
-                          </a:solidFill>
-                          <a:latin typeface="Calibri" panose="020F0502020204030204"/>
-                        </a:defRPr>
-                      </a:lvl7pPr>
-                      <a:lvl8pPr marL="3200400" algn="l" defTabSz="914400" rtl="0" eaLnBrk="1" latinLnBrk="0" hangingPunct="1">
-                        <a:defRPr sz="1800" b="1" kern="1200">
-                          <a:solidFill>
-                            <a:schemeClr val="dk1"/>
-                          </a:solidFill>
-                          <a:latin typeface="Calibri" panose="020F0502020204030204"/>
-                        </a:defRPr>
-                      </a:lvl8pPr>
-                      <a:lvl9pPr marL="3657600" algn="l" defTabSz="914400" rtl="0" eaLnBrk="1" latinLnBrk="0" hangingPunct="1">
-                        <a:defRPr sz="1800" b="1" kern="1200">
-                          <a:solidFill>
-                            <a:schemeClr val="dk1"/>
-                          </a:solidFill>
-                          <a:latin typeface="Calibri" panose="020F0502020204030204"/>
-                        </a:defRPr>
-                      </a:lvl9pPr>
-                    </a:lstStyle>
-                    <a:p>
-                      <a:pPr algn="ctr"/>
-                      <a:r>
-                        <a:rPr lang="en-US" b="0" dirty="0" smtClean="0">
-                          <a:solidFill>
-                            <a:schemeClr val="tx1">
-                              <a:lumMod val="50000"/>
-                            </a:schemeClr>
-                          </a:solidFill>
-                        </a:rPr>
-                        <a:t>col-md-1</a:t>
-                      </a:r>
-                      <a:endParaRPr lang="en-US" b="0" dirty="0">
-                        <a:solidFill>
-                          <a:schemeClr val="tx1">
-                            <a:lumMod val="50000"/>
-                          </a:schemeClr>
-                        </a:solidFill>
-                      </a:endParaRPr>
-                    </a:p>
-                  </a:txBody>
-                  <a:tcPr anchor="ctr">
-                    <a:lnL w="12700" cmpd="sng">
-                      <a:solidFill>
-                        <a:srgbClr val="B8CED0"/>
-                      </a:solidFill>
-                    </a:lnL>
-                    <a:lnR w="12700" cmpd="sng">
-                      <a:solidFill>
-                        <a:srgbClr val="B8CED0"/>
-                      </a:solidFill>
-                    </a:lnR>
-                    <a:lnT w="12700" cmpd="sng">
-                      <a:solidFill>
-                        <a:srgbClr val="B8CED0"/>
-                      </a:solidFill>
-                    </a:lnT>
-                    <a:lnB w="12700" cmpd="sng">
-                      <a:solidFill>
-                        <a:srgbClr val="B8CED0"/>
-                      </a:solidFill>
-                    </a:lnB>
-                    <a:lnTlToBr w="12700" cmpd="sng">
-                      <a:noFill/>
-                      <a:prstDash val="solid"/>
-                    </a:lnTlToBr>
-                    <a:lnBlToTr w="12700" cmpd="sng">
-                      <a:noFill/>
-                      <a:prstDash val="solid"/>
-                    </a:lnBlToTr>
-                    <a:solidFill>
-                      <a:srgbClr val="B8CED0">
-                        <a:tint val="20000"/>
-                      </a:srgbClr>
-                    </a:solidFill>
-                  </a:tcPr>
-                </a:tc>
-                <a:tc>
-                  <a:txBody>
-                    <a:bodyPr/>
-                    <a:lstStyle>
-                      <a:lvl1pPr marL="0" algn="l" defTabSz="914400" rtl="0" eaLnBrk="1" latinLnBrk="0" hangingPunct="1">
-                        <a:defRPr sz="1800" b="1" kern="1200">
-                          <a:solidFill>
-                            <a:schemeClr val="dk1"/>
-                          </a:solidFill>
-                          <a:latin typeface="Calibri" panose="020F0502020204030204"/>
-                        </a:defRPr>
-                      </a:lvl1pPr>
-                      <a:lvl2pPr marL="457200" algn="l" defTabSz="914400" rtl="0" eaLnBrk="1" latinLnBrk="0" hangingPunct="1">
-                        <a:defRPr sz="1800" b="1" kern="1200">
-                          <a:solidFill>
-                            <a:schemeClr val="dk1"/>
-                          </a:solidFill>
-                          <a:latin typeface="Calibri" panose="020F0502020204030204"/>
-                        </a:defRPr>
-                      </a:lvl2pPr>
-                      <a:lvl3pPr marL="914400" algn="l" defTabSz="914400" rtl="0" eaLnBrk="1" latinLnBrk="0" hangingPunct="1">
-                        <a:defRPr sz="1800" b="1" kern="1200">
-                          <a:solidFill>
-                            <a:schemeClr val="dk1"/>
-                          </a:solidFill>
-                          <a:latin typeface="Calibri" panose="020F0502020204030204"/>
-                        </a:defRPr>
-                      </a:lvl3pPr>
-                      <a:lvl4pPr marL="1371600" algn="l" defTabSz="914400" rtl="0" eaLnBrk="1" latinLnBrk="0" hangingPunct="1">
-                        <a:defRPr sz="1800" b="1" kern="1200">
-                          <a:solidFill>
-                            <a:schemeClr val="dk1"/>
-                          </a:solidFill>
-                          <a:latin typeface="Calibri" panose="020F0502020204030204"/>
-                        </a:defRPr>
-                      </a:lvl4pPr>
-                      <a:lvl5pPr marL="1828800" algn="l" defTabSz="914400" rtl="0" eaLnBrk="1" latinLnBrk="0" hangingPunct="1">
-                        <a:defRPr sz="1800" b="1" kern="1200">
-                          <a:solidFill>
-                            <a:schemeClr val="dk1"/>
-                          </a:solidFill>
-                          <a:latin typeface="Calibri" panose="020F0502020204030204"/>
-                        </a:defRPr>
-                      </a:lvl5pPr>
-                      <a:lvl6pPr marL="2286000" algn="l" defTabSz="914400" rtl="0" eaLnBrk="1" latinLnBrk="0" hangingPunct="1">
-                        <a:defRPr sz="1800" b="1" kern="1200">
-                          <a:solidFill>
-                            <a:schemeClr val="dk1"/>
-                          </a:solidFill>
-                          <a:latin typeface="Calibri" panose="020F0502020204030204"/>
-                        </a:defRPr>
-                      </a:lvl6pPr>
-                      <a:lvl7pPr marL="2743200" algn="l" defTabSz="914400" rtl="0" eaLnBrk="1" latinLnBrk="0" hangingPunct="1">
-                        <a:defRPr sz="1800" b="1" kern="1200">
-                          <a:solidFill>
-                            <a:schemeClr val="dk1"/>
-                          </a:solidFill>
-                          <a:latin typeface="Calibri" panose="020F0502020204030204"/>
-                        </a:defRPr>
-                      </a:lvl7pPr>
-                      <a:lvl8pPr marL="3200400" algn="l" defTabSz="914400" rtl="0" eaLnBrk="1" latinLnBrk="0" hangingPunct="1">
-                        <a:defRPr sz="1800" b="1" kern="1200">
-                          <a:solidFill>
-                            <a:schemeClr val="dk1"/>
-                          </a:solidFill>
-                          <a:latin typeface="Calibri" panose="020F0502020204030204"/>
-                        </a:defRPr>
-                      </a:lvl8pPr>
-                      <a:lvl9pPr marL="3657600" algn="l" defTabSz="914400" rtl="0" eaLnBrk="1" latinLnBrk="0" hangingPunct="1">
-                        <a:defRPr sz="1800" b="1" kern="1200">
-                          <a:solidFill>
-                            <a:schemeClr val="dk1"/>
-                          </a:solidFill>
-                          <a:latin typeface="Calibri" panose="020F0502020204030204"/>
-                        </a:defRPr>
-                      </a:lvl9pPr>
-                    </a:lstStyle>
-                    <a:p>
-                      <a:pPr algn="ctr"/>
-                      <a:r>
-                        <a:rPr lang="en-US" b="0" dirty="0" smtClean="0">
-                          <a:solidFill>
-                            <a:schemeClr val="tx1">
-                              <a:lumMod val="50000"/>
-                            </a:schemeClr>
-                          </a:solidFill>
-                        </a:rPr>
-                        <a:t>col-md-1</a:t>
-                      </a:r>
-                      <a:endParaRPr lang="en-US" b="0" dirty="0">
-                        <a:solidFill>
-                          <a:schemeClr val="tx1">
-                            <a:lumMod val="50000"/>
-                          </a:schemeClr>
-                        </a:solidFill>
-                      </a:endParaRPr>
                     </a:p>
                   </a:txBody>
                   <a:tcPr anchor="ctr">
@@ -38485,7 +38118,7 @@
                     <a:p>
                       <a:pPr algn="ctr"/>
                       <a:r>
-                        <a:rPr lang="en-US" b="0" dirty="0" smtClean="0">
+                        <a:rPr lang="en-US" b="0" dirty="0">
                           <a:solidFill>
                             <a:schemeClr val="tx1">
                               <a:lumMod val="50000"/>
@@ -38494,13 +38127,6 @@
                         </a:rPr>
                         <a:t>col-md-4</a:t>
                       </a:r>
-                      <a:endParaRPr lang="en-US" b="0" dirty="0">
-                        <a:solidFill>
-                          <a:schemeClr val="tx1">
-                            <a:lumMod val="50000"/>
-                          </a:schemeClr>
-                        </a:solidFill>
-                      </a:endParaRPr>
                     </a:p>
                   </a:txBody>
                   <a:tcPr anchor="ctr">
@@ -38649,7 +38275,7 @@
                     <a:p>
                       <a:pPr algn="ctr"/>
                       <a:r>
-                        <a:rPr lang="en-US" b="0" dirty="0" smtClean="0">
+                        <a:rPr lang="en-US" b="0" dirty="0">
                           <a:solidFill>
                             <a:schemeClr val="tx1">
                               <a:lumMod val="50000"/>
@@ -38658,13 +38284,6 @@
                         </a:rPr>
                         <a:t>col-md-4</a:t>
                       </a:r>
-                      <a:endParaRPr lang="en-US" b="0" dirty="0">
-                        <a:solidFill>
-                          <a:schemeClr val="tx1">
-                            <a:lumMod val="50000"/>
-                          </a:schemeClr>
-                        </a:solidFill>
-                      </a:endParaRPr>
                     </a:p>
                   </a:txBody>
                   <a:tcPr anchor="ctr">
@@ -38813,7 +38432,7 @@
                     <a:p>
                       <a:pPr algn="ctr"/>
                       <a:r>
-                        <a:rPr lang="en-US" b="0" dirty="0" smtClean="0">
+                        <a:rPr lang="en-US" b="0" dirty="0">
                           <a:solidFill>
                             <a:schemeClr val="tx1">
                               <a:lumMod val="50000"/>
@@ -38822,13 +38441,6 @@
                         </a:rPr>
                         <a:t>col-md-4</a:t>
                       </a:r>
-                      <a:endParaRPr lang="en-US" b="0" dirty="0">
-                        <a:solidFill>
-                          <a:schemeClr val="tx1">
-                            <a:lumMod val="50000"/>
-                          </a:schemeClr>
-                        </a:solidFill>
-                      </a:endParaRPr>
                     </a:p>
                   </a:txBody>
                   <a:tcPr anchor="ctr">
@@ -38984,7 +38596,7 @@
                     <a:p>
                       <a:pPr algn="ctr"/>
                       <a:r>
-                        <a:rPr lang="en-US" b="0" dirty="0" smtClean="0">
+                        <a:rPr lang="en-US" b="0" dirty="0">
                           <a:solidFill>
                             <a:schemeClr val="tx1">
                               <a:lumMod val="50000"/>
@@ -38993,13 +38605,6 @@
                         </a:rPr>
                         <a:t>col-md-3</a:t>
                       </a:r>
-                      <a:endParaRPr lang="en-US" b="0" dirty="0">
-                        <a:solidFill>
-                          <a:schemeClr val="tx1">
-                            <a:lumMod val="50000"/>
-                          </a:schemeClr>
-                        </a:solidFill>
-                      </a:endParaRPr>
                     </a:p>
                   </a:txBody>
                   <a:tcPr anchor="ctr">
@@ -39138,7 +38743,7 @@
                     <a:p>
                       <a:pPr algn="ctr"/>
                       <a:r>
-                        <a:rPr lang="en-US" b="0" dirty="0" smtClean="0">
+                        <a:rPr lang="en-US" b="0" dirty="0">
                           <a:solidFill>
                             <a:schemeClr val="tx1">
                               <a:lumMod val="50000"/>
@@ -39147,13 +38752,6 @@
                         </a:rPr>
                         <a:t>col-md-3</a:t>
                       </a:r>
-                      <a:endParaRPr lang="en-US" b="0" dirty="0">
-                        <a:solidFill>
-                          <a:schemeClr val="tx1">
-                            <a:lumMod val="50000"/>
-                          </a:schemeClr>
-                        </a:solidFill>
-                      </a:endParaRPr>
                     </a:p>
                   </a:txBody>
                   <a:tcPr anchor="ctr">
@@ -39292,7 +38890,7 @@
                     <a:p>
                       <a:pPr algn="ctr"/>
                       <a:r>
-                        <a:rPr lang="en-US" b="0" dirty="0" smtClean="0">
+                        <a:rPr lang="en-US" b="0" dirty="0">
                           <a:solidFill>
                             <a:schemeClr val="tx1">
                               <a:lumMod val="50000"/>
@@ -39301,13 +38899,6 @@
                         </a:rPr>
                         <a:t>col-md-3</a:t>
                       </a:r>
-                      <a:endParaRPr lang="en-US" b="0" dirty="0">
-                        <a:solidFill>
-                          <a:schemeClr val="tx1">
-                            <a:lumMod val="50000"/>
-                          </a:schemeClr>
-                        </a:solidFill>
-                      </a:endParaRPr>
                     </a:p>
                   </a:txBody>
                   <a:tcPr anchor="ctr">
@@ -39446,7 +39037,7 @@
                     <a:p>
                       <a:pPr algn="ctr"/>
                       <a:r>
-                        <a:rPr lang="en-US" b="0" smtClean="0">
+                        <a:rPr lang="en-US" b="0">
                           <a:solidFill>
                             <a:schemeClr val="tx1">
                               <a:lumMod val="50000"/>
@@ -39607,7 +39198,7 @@
                     <a:p>
                       <a:pPr algn="ctr"/>
                       <a:r>
-                        <a:rPr lang="en-US" b="0" dirty="0" smtClean="0">
+                        <a:rPr lang="en-US" b="0" dirty="0">
                           <a:solidFill>
                             <a:schemeClr val="tx1">
                               <a:lumMod val="50000"/>
@@ -39616,13 +39207,6 @@
                         </a:rPr>
                         <a:t>col-md-6</a:t>
                       </a:r>
-                      <a:endParaRPr lang="en-US" b="0" dirty="0">
-                        <a:solidFill>
-                          <a:schemeClr val="tx1">
-                            <a:lumMod val="50000"/>
-                          </a:schemeClr>
-                        </a:solidFill>
-                      </a:endParaRPr>
                     </a:p>
                   </a:txBody>
                   <a:tcPr anchor="ctr">
@@ -39791,7 +39375,7 @@
                     <a:p>
                       <a:pPr algn="ctr"/>
                       <a:r>
-                        <a:rPr lang="en-US" b="0" dirty="0" smtClean="0">
+                        <a:rPr lang="en-US" b="0" dirty="0">
                           <a:solidFill>
                             <a:schemeClr val="tx1">
                               <a:lumMod val="50000"/>
@@ -39800,13 +39384,6 @@
                         </a:rPr>
                         <a:t>col-md-6</a:t>
                       </a:r>
-                      <a:endParaRPr lang="en-US" b="0" dirty="0">
-                        <a:solidFill>
-                          <a:schemeClr val="tx1">
-                            <a:lumMod val="50000"/>
-                          </a:schemeClr>
-                        </a:solidFill>
-                      </a:endParaRPr>
                     </a:p>
                   </a:txBody>
                   <a:tcPr anchor="ctr">
@@ -39982,7 +39559,7 @@
                     <a:p>
                       <a:pPr algn="ctr"/>
                       <a:r>
-                        <a:rPr lang="en-US" b="0" dirty="0" smtClean="0">
+                        <a:rPr lang="en-US" b="0" dirty="0">
                           <a:solidFill>
                             <a:schemeClr val="tx1">
                               <a:lumMod val="50000"/>
@@ -39991,13 +39568,6 @@
                         </a:rPr>
                         <a:t>col-md-8</a:t>
                       </a:r>
-                      <a:endParaRPr lang="en-US" b="0" dirty="0">
-                        <a:solidFill>
-                          <a:schemeClr val="tx1">
-                            <a:lumMod val="50000"/>
-                          </a:schemeClr>
-                        </a:solidFill>
-                      </a:endParaRPr>
                     </a:p>
                   </a:txBody>
                   <a:tcPr anchor="ctr">
@@ -40186,7 +39756,7 @@
                     <a:p>
                       <a:pPr algn="ctr"/>
                       <a:r>
-                        <a:rPr lang="en-US" b="0" dirty="0" smtClean="0">
+                        <a:rPr lang="en-US" b="0" dirty="0">
                           <a:solidFill>
                             <a:schemeClr val="tx1">
                               <a:lumMod val="50000"/>
@@ -40195,13 +39765,6 @@
                         </a:rPr>
                         <a:t>col-md-4</a:t>
                       </a:r>
-                      <a:endParaRPr lang="en-US" b="0" dirty="0">
-                        <a:solidFill>
-                          <a:schemeClr val="tx1">
-                            <a:lumMod val="50000"/>
-                          </a:schemeClr>
-                        </a:solidFill>
-                      </a:endParaRPr>
                     </a:p>
                   </a:txBody>
                   <a:tcPr anchor="ctr">
@@ -40293,13 +39856,6 @@
   <p:transition>
     <p:fade/>
   </p:transition>
-  <p:timing>
-    <p:tnLst>
-      <p:par>
-        <p:cTn id="1" dur="indefinite" restart="never" nodeType="tmRoot"/>
-      </p:par>
-    </p:tnLst>
-  </p:timing>
 </p:sld>
 </file>
 
@@ -40346,10 +39902,9 @@
           <a:lstStyle/>
           <a:p>
             <a:r>
-              <a:rPr lang="en-US" dirty="0" smtClean="0"/>
+              <a:rPr lang="en-US" dirty="0"/>
               <a:t>Bootstrap example</a:t>
             </a:r>
-            <a:endParaRPr lang="en-US" dirty="0"/>
           </a:p>
         </p:txBody>
       </p:sp>
@@ -40377,15 +39932,9 @@
               <a:rPr lang="en-US" sz="3600" dirty="0">
                 <a:hlinkClick r:id="rId3"/>
               </a:rPr>
-              <a:t>https://v4-alpha.getbootstrap.com/examples/jumbotron</a:t>
+              <a:t>https://v4-alpha.getbootstrap.com/examples/jumbotron/</a:t>
             </a:r>
-            <a:r>
-              <a:rPr lang="en-US" sz="3600" dirty="0" smtClean="0">
-                <a:hlinkClick r:id="rId3"/>
-              </a:rPr>
-              <a:t>/</a:t>
-            </a:r>
-            <a:endParaRPr lang="en-US" sz="3600" dirty="0" smtClean="0"/>
+            <a:endParaRPr lang="en-US" sz="3600" dirty="0"/>
           </a:p>
           <a:p>
             <a:pPr marL="57150" indent="0">
@@ -40564,13 +40113,6 @@
   <p:transition>
     <p:fade/>
   </p:transition>
-  <p:timing>
-    <p:tnLst>
-      <p:par>
-        <p:cTn id="1" dur="indefinite" restart="never" nodeType="tmRoot"/>
-      </p:par>
-    </p:tnLst>
-  </p:timing>
 </p:sld>
 </file>
 
@@ -40617,18 +40159,13 @@
           <a:lstStyle/>
           <a:p>
             <a:r>
-              <a:rPr lang="en-US" dirty="0" smtClean="0">
+              <a:rPr lang="en-US" dirty="0">
                 <a:solidFill>
                   <a:schemeClr val="bg1"/>
                 </a:solidFill>
               </a:rPr>
               <a:t>What devices do you use to view web content?</a:t>
             </a:r>
-            <a:endParaRPr lang="en-US" dirty="0">
-              <a:solidFill>
-                <a:schemeClr val="bg1"/>
-              </a:solidFill>
-            </a:endParaRPr>
           </a:p>
         </p:txBody>
       </p:sp>
@@ -40648,7 +40185,7 @@
           <a:lstStyle/>
           <a:p>
             <a:r>
-              <a:rPr lang="en-US" dirty="0" smtClean="0">
+              <a:rPr lang="en-US" dirty="0">
                 <a:solidFill>
                   <a:schemeClr val="bg1">
                     <a:lumMod val="95000"/>
@@ -40670,7 +40207,7 @@
               <a:buNone/>
             </a:pPr>
             <a:r>
-              <a:rPr lang="en-US" sz="3600" dirty="0" smtClean="0">
+              <a:rPr lang="en-US" sz="3600" dirty="0">
                 <a:solidFill>
                   <a:schemeClr val="bg1"/>
                 </a:solidFill>
@@ -40682,7 +40219,7 @@
             <a:pPr marL="57150" indent="0">
               <a:buNone/>
             </a:pPr>
-            <a:endParaRPr lang="en-US" sz="3600" dirty="0" smtClean="0">
+            <a:endParaRPr lang="en-US" sz="3600" dirty="0">
               <a:solidFill>
                 <a:schemeClr val="bg1"/>
               </a:solidFill>
@@ -40706,23 +40243,7 @@
                   <a:schemeClr val="bg1"/>
                 </a:solidFill>
               </a:rPr>
-              <a:t> is an approach to web design that makes </a:t>
-            </a:r>
-            <a:r>
-              <a:rPr lang="en-US" sz="3600" dirty="0" smtClean="0">
-                <a:solidFill>
-                  <a:schemeClr val="bg1"/>
-                </a:solidFill>
-              </a:rPr>
-              <a:t>webpages </a:t>
-            </a:r>
-            <a:r>
-              <a:rPr lang="en-US" sz="3600" dirty="0">
-                <a:solidFill>
-                  <a:schemeClr val="bg1"/>
-                </a:solidFill>
-              </a:rPr>
-              <a:t>render well on a variety of devices and window or screen sizes</a:t>
+              <a:t> is an approach to web design that makes webpages render well on a variety of devices and window or screen sizes</a:t>
             </a:r>
           </a:p>
           <a:p>
@@ -41002,10 +40523,9 @@
           <a:lstStyle/>
           <a:p>
             <a:r>
-              <a:rPr lang="en-US" dirty="0" smtClean="0"/>
+              <a:rPr lang="en-US" dirty="0"/>
               <a:t>Responsiveness Examples</a:t>
             </a:r>
-            <a:endParaRPr lang="en-US" dirty="0"/>
           </a:p>
         </p:txBody>
       </p:sp>
@@ -41030,7 +40550,7 @@
               <a:buNone/>
             </a:pPr>
             <a:r>
-              <a:rPr lang="en-US" sz="4000" b="1" dirty="0" smtClean="0"/>
+              <a:rPr lang="en-US" sz="4000" b="1" dirty="0"/>
               <a:t>Bad:</a:t>
             </a:r>
           </a:p>
@@ -41050,20 +40570,20 @@
             <a:pPr marL="57150" indent="0">
               <a:buNone/>
             </a:pPr>
-            <a:endParaRPr lang="en-US" sz="4000" b="1" dirty="0" smtClean="0"/>
+            <a:endParaRPr lang="en-US" sz="4000" b="1" dirty="0"/>
           </a:p>
           <a:p>
             <a:pPr marL="57150" indent="0">
               <a:buNone/>
             </a:pPr>
-            <a:endParaRPr lang="en-US" sz="4000" b="1" dirty="0" smtClean="0"/>
+            <a:endParaRPr lang="en-US" sz="4000" b="1" dirty="0"/>
           </a:p>
           <a:p>
             <a:pPr marL="57150" indent="0">
               <a:buNone/>
             </a:pPr>
             <a:r>
-              <a:rPr lang="en-US" sz="4000" b="1" dirty="0" smtClean="0"/>
+              <a:rPr lang="en-US" sz="4000" b="1" dirty="0"/>
               <a:t>Good:</a:t>
             </a:r>
           </a:p>
@@ -41100,13 +40620,6 @@
   <p:transition>
     <p:fade/>
   </p:transition>
-  <p:timing>
-    <p:tnLst>
-      <p:par>
-        <p:cTn id="1" dur="indefinite" restart="never" nodeType="tmRoot"/>
-      </p:par>
-    </p:tnLst>
-  </p:timing>
 </p:sld>
 </file>
 
@@ -41143,10 +40656,9 @@
           <a:lstStyle/>
           <a:p>
             <a:r>
-              <a:rPr lang="en-US" dirty="0" smtClean="0"/>
+              <a:rPr lang="en-US" dirty="0"/>
               <a:t>How to do responsive design manually</a:t>
             </a:r>
-            <a:endParaRPr lang="en-US" dirty="0"/>
           </a:p>
         </p:txBody>
       </p:sp>
@@ -41168,15 +40680,15 @@
           <a:lstStyle/>
           <a:p>
             <a:r>
-              <a:rPr lang="en-US" dirty="0" smtClean="0"/>
+              <a:rPr lang="en-US" dirty="0"/>
               <a:t>Use </a:t>
             </a:r>
             <a:r>
-              <a:rPr lang="en-US" i="1" dirty="0" smtClean="0"/>
+              <a:rPr lang="en-US" i="1" dirty="0"/>
               <a:t>percentage-based</a:t>
             </a:r>
             <a:r>
-              <a:rPr lang="en-US" dirty="0" smtClean="0"/>
+              <a:rPr lang="en-US" dirty="0"/>
               <a:t> property values in CSS</a:t>
             </a:r>
           </a:p>
@@ -41258,7 +40770,7 @@
               <a:buNone/>
             </a:pPr>
             <a:r>
-              <a:rPr lang="en-US" dirty="0" smtClean="0">
+              <a:rPr lang="en-US" dirty="0">
                 <a:solidFill>
                   <a:srgbClr val="000000"/>
                 </a:solidFill>
@@ -41271,19 +40783,19 @@
             <a:pPr marL="57150" indent="0">
               <a:buNone/>
             </a:pPr>
-            <a:endParaRPr lang="en-US" dirty="0" smtClean="0"/>
+            <a:endParaRPr lang="en-US" dirty="0"/>
           </a:p>
           <a:p>
             <a:r>
-              <a:rPr lang="en-US" dirty="0" smtClean="0"/>
+              <a:rPr lang="en-US" dirty="0"/>
               <a:t>Use </a:t>
             </a:r>
             <a:r>
-              <a:rPr lang="en-US" i="1" dirty="0" smtClean="0"/>
+              <a:rPr lang="en-US" i="1" dirty="0"/>
               <a:t>media queries</a:t>
             </a:r>
             <a:r>
-              <a:rPr lang="en-US" dirty="0" smtClean="0"/>
+              <a:rPr lang="en-US" dirty="0"/>
               <a:t> to style HTML based on the current viewport</a:t>
             </a:r>
           </a:p>
@@ -41465,7 +40977,7 @@
               <a:buNone/>
             </a:pPr>
             <a:r>
-              <a:rPr lang="en-US" dirty="0" smtClean="0">
+              <a:rPr lang="en-US" dirty="0">
                 <a:solidFill>
                   <a:srgbClr val="000000"/>
                 </a:solidFill>
@@ -41473,12 +40985,6 @@
               </a:rPr>
               <a:t>}</a:t>
             </a:r>
-            <a:endParaRPr lang="en-US" dirty="0">
-              <a:solidFill>
-                <a:srgbClr val="000000"/>
-              </a:solidFill>
-              <a:latin typeface="Consolas" panose="020B0609020204030204" pitchFamily="49" charset="0"/>
-            </a:endParaRPr>
           </a:p>
         </p:txBody>
       </p:sp>
@@ -42030,10 +41536,9 @@
           <a:lstStyle/>
           <a:p>
             <a:r>
-              <a:rPr lang="en-US" dirty="0" smtClean="0"/>
+              <a:rPr lang="en-US" dirty="0"/>
               <a:t>Practice</a:t>
             </a:r>
-            <a:endParaRPr lang="en-US" dirty="0"/>
           </a:p>
         </p:txBody>
       </p:sp>
@@ -42056,34 +41561,22 @@
               <a:buNone/>
             </a:pPr>
             <a:r>
-              <a:rPr lang="en-US" sz="4800" dirty="0" smtClean="0"/>
+              <a:rPr lang="en-US" sz="4800" dirty="0"/>
               <a:t>Go to </a:t>
             </a:r>
             <a:r>
-              <a:rPr lang="en-US" sz="4800" dirty="0" smtClean="0">
+              <a:rPr lang="en-US" sz="4800" dirty="0">
                 <a:hlinkClick r:id="rId3"/>
               </a:rPr>
-              <a:t>repl.it/</a:t>
+              <a:t>bit.ly/</a:t>
             </a:r>
             <a:r>
-              <a:rPr lang="en-US" sz="4800" dirty="0" err="1" smtClean="0">
+              <a:rPr lang="en-US" sz="4800" dirty="0" err="1">
                 <a:hlinkClick r:id="rId3"/>
               </a:rPr>
-              <a:t>repls</a:t>
+              <a:t>responsivedesignpractice</a:t>
             </a:r>
-            <a:r>
-              <a:rPr lang="en-US" sz="4800" dirty="0" smtClean="0">
-                <a:hlinkClick r:id="rId3"/>
-              </a:rPr>
-              <a:t>/</a:t>
-            </a:r>
-            <a:r>
-              <a:rPr lang="en-US" sz="4800" dirty="0" err="1" smtClean="0">
-                <a:hlinkClick r:id="rId3"/>
-              </a:rPr>
-              <a:t>ReadyFearlessClimate</a:t>
-            </a:r>
-            <a:endParaRPr lang="en-US" sz="4800" dirty="0" smtClean="0"/>
+            <a:endParaRPr lang="en-US" sz="4800" dirty="0"/>
           </a:p>
           <a:p>
             <a:endParaRPr lang="en-US" dirty="0"/>
@@ -42093,11 +41586,11 @@
               <a:buAutoNum type="arabicPeriod"/>
             </a:pPr>
             <a:r>
-              <a:rPr lang="en-US" sz="3600" dirty="0" smtClean="0"/>
+              <a:rPr lang="en-US" sz="3600" dirty="0"/>
               <a:t>Make the </a:t>
             </a:r>
             <a:r>
-              <a:rPr lang="en-US" sz="4400" b="1" dirty="0" smtClean="0">
+              <a:rPr lang="en-US" sz="4400" b="1" dirty="0">
                 <a:solidFill>
                   <a:schemeClr val="accent1">
                     <a:lumMod val="50000"/>
@@ -42108,7 +41601,7 @@
               <a:t>h1</a:t>
             </a:r>
             <a:r>
-              <a:rPr lang="en-US" sz="3600" dirty="0" smtClean="0"/>
+              <a:rPr lang="en-US" sz="3600" dirty="0"/>
               <a:t> font bigger</a:t>
             </a:r>
           </a:p>
@@ -42117,11 +41610,11 @@
               <a:buAutoNum type="arabicPeriod"/>
             </a:pPr>
             <a:r>
-              <a:rPr lang="en-US" sz="3600" dirty="0" smtClean="0"/>
+              <a:rPr lang="en-US" sz="3600" dirty="0"/>
               <a:t>Make the </a:t>
             </a:r>
             <a:r>
-              <a:rPr lang="en-US" sz="4400" b="1" dirty="0" err="1" smtClean="0">
+              <a:rPr lang="en-US" sz="4400" b="1" dirty="0" err="1">
                 <a:solidFill>
                   <a:schemeClr val="accent1">
                     <a:lumMod val="50000"/>
@@ -42132,7 +41625,7 @@
               <a:t>img</a:t>
             </a:r>
             <a:r>
-              <a:rPr lang="en-US" sz="3600" dirty="0" smtClean="0"/>
+              <a:rPr lang="en-US" sz="3600" dirty="0"/>
               <a:t> bigger</a:t>
             </a:r>
           </a:p>
@@ -42141,11 +41634,11 @@
               <a:buAutoNum type="arabicPeriod"/>
             </a:pPr>
             <a:r>
-              <a:rPr lang="en-US" sz="3600" dirty="0" smtClean="0"/>
+              <a:rPr lang="en-US" sz="3600" dirty="0"/>
               <a:t>Make the </a:t>
             </a:r>
             <a:r>
-              <a:rPr lang="en-US" sz="4400" b="1" dirty="0" smtClean="0">
+              <a:rPr lang="en-US" sz="4400" b="1" dirty="0">
                 <a:solidFill>
                   <a:schemeClr val="accent1">
                     <a:lumMod val="50000"/>
@@ -42156,7 +41649,7 @@
               <a:t>max-width</a:t>
             </a:r>
             <a:r>
-              <a:rPr lang="en-US" sz="3600" dirty="0" smtClean="0"/>
+              <a:rPr lang="en-US" sz="3600" dirty="0"/>
               <a:t> for the mobile viewer smaller</a:t>
             </a:r>
           </a:p>
@@ -42165,11 +41658,11 @@
               <a:buAutoNum type="arabicPeriod"/>
             </a:pPr>
             <a:r>
-              <a:rPr lang="en-US" sz="3600" b="1" dirty="0" smtClean="0"/>
+              <a:rPr lang="en-US" sz="3600" b="1" dirty="0"/>
               <a:t>CHALLENGE:</a:t>
             </a:r>
             <a:r>
-              <a:rPr lang="en-US" sz="3600" dirty="0" smtClean="0"/>
+              <a:rPr lang="en-US" sz="3600" dirty="0"/>
               <a:t> Add an additional column</a:t>
             </a:r>
           </a:p>
@@ -42188,13 +41681,6 @@
   <p:transition>
     <p:fade/>
   </p:transition>
-  <p:timing>
-    <p:tnLst>
-      <p:par>
-        <p:cTn id="1" dur="indefinite" restart="never" nodeType="tmRoot"/>
-      </p:par>
-    </p:tnLst>
-  </p:timing>
 </p:sld>
 </file>
 
@@ -42231,10 +41717,9 @@
           <a:lstStyle/>
           <a:p>
             <a:r>
-              <a:rPr lang="en-US" dirty="0" smtClean="0"/>
+              <a:rPr lang="en-US" dirty="0"/>
               <a:t>Bootstrap – a better way</a:t>
             </a:r>
-            <a:endParaRPr lang="en-US" dirty="0"/>
           </a:p>
         </p:txBody>
       </p:sp>
@@ -42261,32 +41746,31 @@
           <a:lstStyle/>
           <a:p>
             <a:r>
-              <a:rPr lang="en-US" b="1" dirty="0" smtClean="0"/>
+              <a:rPr lang="en-US" b="1" dirty="0"/>
               <a:t>Bootstrap</a:t>
             </a:r>
             <a:r>
-              <a:rPr lang="en-US" dirty="0" smtClean="0"/>
+              <a:rPr lang="en-US" dirty="0"/>
               <a:t> is a free and open-source front-end web framework</a:t>
             </a:r>
           </a:p>
           <a:p>
-            <a:endParaRPr lang="en-US" dirty="0" smtClean="0"/>
+            <a:endParaRPr lang="en-US" dirty="0"/>
           </a:p>
           <a:p>
             <a:r>
-              <a:rPr lang="en-US" dirty="0" smtClean="0"/>
+              <a:rPr lang="en-US" dirty="0"/>
               <a:t>It allows web developers to make their websites responsive out-of-the-box</a:t>
             </a:r>
           </a:p>
           <a:p>
-            <a:endParaRPr lang="en-US" dirty="0" smtClean="0"/>
+            <a:endParaRPr lang="en-US" dirty="0"/>
           </a:p>
           <a:p>
             <a:r>
-              <a:rPr lang="en-US" dirty="0" smtClean="0"/>
+              <a:rPr lang="en-US" dirty="0"/>
               <a:t>It has a collection of existing CSS classes that developers can apply to their HTML</a:t>
             </a:r>
-            <a:endParaRPr lang="en-US" dirty="0"/>
           </a:p>
         </p:txBody>
       </p:sp>
@@ -42596,10 +42080,9 @@
           <a:lstStyle/>
           <a:p>
             <a:r>
-              <a:rPr lang="en-US" dirty="0" smtClean="0"/>
+              <a:rPr lang="en-US" dirty="0"/>
               <a:t>“Pull yourself up by your bootstraps”</a:t>
             </a:r>
-            <a:endParaRPr lang="en-US" dirty="0"/>
           </a:p>
         </p:txBody>
       </p:sp>
@@ -42624,16 +42107,15 @@
           <a:lstStyle/>
           <a:p>
             <a:r>
-              <a:rPr lang="en-US" dirty="0" smtClean="0"/>
+              <a:rPr lang="en-US" dirty="0"/>
               <a:t>Bootstrap allows developers to quickly prototype ideas without having to concern themselves with the user interface</a:t>
             </a:r>
           </a:p>
           <a:p>
             <a:r>
-              <a:rPr lang="en-US" dirty="0" smtClean="0"/>
+              <a:rPr lang="en-US" dirty="0"/>
               <a:t>It is a very good starting point for new projects </a:t>
             </a:r>
-            <a:endParaRPr lang="en-US" dirty="0"/>
           </a:p>
         </p:txBody>
       </p:sp>
@@ -42691,13 +42173,6 @@
   <p:transition>
     <p:fade/>
   </p:transition>
-  <p:timing>
-    <p:tnLst>
-      <p:par>
-        <p:cTn id="1" dur="indefinite" restart="never" nodeType="tmRoot"/>
-      </p:par>
-    </p:tnLst>
-  </p:timing>
 </p:sld>
 </file>
 
@@ -42734,10 +42209,9 @@
           <a:lstStyle/>
           <a:p>
             <a:r>
-              <a:rPr lang="en-US" dirty="0" smtClean="0"/>
+              <a:rPr lang="en-US" dirty="0"/>
               <a:t>Bootstrap code</a:t>
             </a:r>
-            <a:endParaRPr lang="en-US" dirty="0"/>
           </a:p>
         </p:txBody>
       </p:sp>
@@ -42760,11 +42234,11 @@
               <a:buNone/>
             </a:pPr>
             <a:r>
-              <a:rPr lang="en-US" sz="3600" b="1" dirty="0" smtClean="0"/>
+              <a:rPr lang="en-US" sz="3600" b="1" dirty="0"/>
               <a:t>Meta tag</a:t>
             </a:r>
             <a:r>
-              <a:rPr lang="en-US" sz="3600" dirty="0" smtClean="0"/>
+              <a:rPr lang="en-US" sz="3600" dirty="0"/>
               <a:t> – set viewport to scale appropriately</a:t>
             </a:r>
           </a:p>
@@ -42873,18 +42347,18 @@
             <a:pPr marL="57150" indent="0">
               <a:buNone/>
             </a:pPr>
-            <a:endParaRPr lang="en-US" sz="3600" dirty="0" smtClean="0"/>
+            <a:endParaRPr lang="en-US" sz="3600" dirty="0"/>
           </a:p>
           <a:p>
             <a:pPr marL="57150" indent="0">
               <a:buNone/>
             </a:pPr>
             <a:r>
-              <a:rPr lang="en-US" sz="3600" b="1" dirty="0" smtClean="0"/>
+              <a:rPr lang="en-US" sz="3600" b="1" dirty="0"/>
               <a:t>Link tag</a:t>
             </a:r>
             <a:r>
-              <a:rPr lang="en-US" sz="3600" dirty="0" smtClean="0"/>
+              <a:rPr lang="en-US" sz="3600" dirty="0"/>
               <a:t> – import Bootstrap’s CSS</a:t>
             </a:r>
           </a:p>
@@ -43305,10 +42779,9 @@
           <a:lstStyle/>
           <a:p>
             <a:r>
-              <a:rPr lang="en-US" dirty="0" smtClean="0"/>
+              <a:rPr lang="en-US" dirty="0"/>
               <a:t>Bootstrap classes</a:t>
             </a:r>
-            <a:endParaRPr lang="en-US" dirty="0"/>
           </a:p>
         </p:txBody>
       </p:sp>
@@ -43333,7 +42806,7 @@
               <a:buNone/>
             </a:pPr>
             <a:r>
-              <a:rPr lang="en-US" sz="3600" b="1" dirty="0" err="1" smtClean="0">
+              <a:rPr lang="en-US" sz="3600" b="1" dirty="0" err="1">
                 <a:solidFill>
                   <a:schemeClr val="accent1">
                     <a:lumMod val="50000"/>
@@ -43344,12 +42817,8 @@
               <a:t>jumbotron</a:t>
             </a:r>
             <a:r>
-              <a:rPr lang="en-US" dirty="0" smtClean="0"/>
-              <a:t> – </a:t>
-            </a:r>
-            <a:r>
               <a:rPr lang="en-US" dirty="0"/>
-              <a:t>to create big banner headers</a:t>
+              <a:t> – to create big banner headers</a:t>
             </a:r>
           </a:p>
           <a:p>
@@ -43357,7 +42826,7 @@
               <a:buNone/>
             </a:pPr>
             <a:r>
-              <a:rPr lang="en-US" sz="3600" b="1" dirty="0" smtClean="0">
+              <a:rPr lang="en-US" sz="3600" b="1" dirty="0">
                 <a:solidFill>
                   <a:schemeClr val="accent1">
                     <a:lumMod val="50000"/>
@@ -43368,12 +42837,8 @@
               <a:t>text-center</a:t>
             </a:r>
             <a:r>
-              <a:rPr lang="en-US" dirty="0" smtClean="0"/>
-              <a:t> – </a:t>
-            </a:r>
-            <a:r>
               <a:rPr lang="en-US" dirty="0"/>
-              <a:t>to center text</a:t>
+              <a:t> – to center text</a:t>
             </a:r>
           </a:p>
           <a:p>
@@ -43381,7 +42846,7 @@
               <a:buNone/>
             </a:pPr>
             <a:r>
-              <a:rPr lang="en-US" sz="3600" b="1" dirty="0" smtClean="0">
+              <a:rPr lang="en-US" sz="3600" b="1" dirty="0">
                 <a:solidFill>
                   <a:schemeClr val="accent1">
                     <a:lumMod val="50000"/>
@@ -43392,12 +42857,8 @@
               <a:t>container</a:t>
             </a:r>
             <a:r>
-              <a:rPr lang="en-US" dirty="0" smtClean="0"/>
-              <a:t> – </a:t>
-            </a:r>
-            <a:r>
               <a:rPr lang="en-US" dirty="0"/>
-              <a:t>to add space on sides</a:t>
+              <a:t> – to add space on sides</a:t>
             </a:r>
           </a:p>
           <a:p>
@@ -43405,7 +42866,7 @@
               <a:buNone/>
             </a:pPr>
             <a:r>
-              <a:rPr lang="en-US" sz="3600" b="1" dirty="0" smtClean="0">
+              <a:rPr lang="en-US" sz="3600" b="1" dirty="0">
                 <a:solidFill>
                   <a:schemeClr val="accent1">
                     <a:lumMod val="50000"/>
@@ -43416,12 +42877,8 @@
               <a:t>row</a:t>
             </a:r>
             <a:r>
-              <a:rPr lang="en-US" dirty="0" smtClean="0"/>
-              <a:t> – </a:t>
-            </a:r>
-            <a:r>
               <a:rPr lang="en-US" dirty="0"/>
-              <a:t>to create grid rows</a:t>
+              <a:t> – to create grid rows</a:t>
             </a:r>
           </a:p>
           <a:p>
@@ -43440,7 +42897,7 @@
               <a:t>col-md-</a:t>
             </a:r>
             <a:r>
-              <a:rPr lang="en-US" sz="3600" b="1" dirty="0" smtClean="0">
+              <a:rPr lang="en-US" sz="3600" b="1" dirty="0">
                 <a:solidFill>
                   <a:srgbClr val="FF8300"/>
                 </a:solidFill>
@@ -43449,12 +42906,8 @@
               <a:t>*</a:t>
             </a:r>
             <a:r>
-              <a:rPr lang="en-US" dirty="0" smtClean="0"/>
-              <a:t> – </a:t>
-            </a:r>
-            <a:r>
               <a:rPr lang="en-US" dirty="0"/>
-              <a:t>to create grid columns (sized by </a:t>
+              <a:t> – to create grid columns (sized by </a:t>
             </a:r>
             <a:r>
               <a:rPr lang="en-US" sz="3600" b="1" dirty="0">

--- a/Week08/ResponsiveDesign.pptx
+++ b/Week08/ResponsiveDesign.pptx
@@ -25,32 +25,32 @@
   <p:notesSz cx="6858000" cy="9144000"/>
   <p:embeddedFontLst>
     <p:embeddedFont>
-      <p:font typeface="Calibri" panose="020F0502020204030204" pitchFamily="34" charset="0"/>
+      <p:font typeface="Consolas" panose="020B0609020204030204" pitchFamily="49" charset="0"/>
       <p:regular r:id="rId15"/>
       <p:bold r:id="rId16"/>
       <p:italic r:id="rId17"/>
       <p:boldItalic r:id="rId18"/>
     </p:embeddedFont>
     <p:embeddedFont>
-      <p:font typeface="Consolas" panose="020B0609020204030204" pitchFamily="49" charset="0"/>
+      <p:font typeface="Krona One" panose="020B0604020202020204" charset="0"/>
       <p:regular r:id="rId19"/>
-      <p:bold r:id="rId20"/>
-      <p:italic r:id="rId21"/>
-      <p:boldItalic r:id="rId22"/>
-    </p:embeddedFont>
-    <p:embeddedFont>
-      <p:font typeface="Krona One" panose="020B0604020202020204" charset="0"/>
-      <p:regular r:id="rId23"/>
     </p:embeddedFont>
     <p:embeddedFont>
       <p:font typeface="Miriam Libre" panose="00000500000000000000" pitchFamily="2" charset="-79"/>
-      <p:regular r:id="rId24"/>
-      <p:bold r:id="rId25"/>
+      <p:regular r:id="rId20"/>
+      <p:bold r:id="rId21"/>
     </p:embeddedFont>
     <p:embeddedFont>
       <p:font typeface="Roboto Condensed Light" panose="02000000000000000000" pitchFamily="2" charset="0"/>
-      <p:regular r:id="rId26"/>
-      <p:italic r:id="rId27"/>
+      <p:regular r:id="rId22"/>
+      <p:italic r:id="rId23"/>
+    </p:embeddedFont>
+    <p:embeddedFont>
+      <p:font typeface="Segoe UI" panose="020B0502040204020203" pitchFamily="34" charset="0"/>
+      <p:regular r:id="rId24"/>
+      <p:bold r:id="rId25"/>
+      <p:italic r:id="rId26"/>
+      <p:boldItalic r:id="rId27"/>
     </p:embeddedFont>
   </p:embeddedFontLst>
   <p:defaultTextStyle>
@@ -6201,7 +6201,7 @@
           <a:p>
             <a:fld id="{5958763E-B898-436D-883D-03711491D54A}" type="datetimeFigureOut">
               <a:rPr lang="en-US" smtClean="0"/>
-              <a:t>2/9/2023</a:t>
+              <a:t>11/5/2024</a:t>
             </a:fld>
             <a:endParaRPr lang="en-US"/>
           </a:p>
@@ -13717,9 +13717,7 @@
             <a:r>
               <a:rPr lang="en-US" sz="3200" b="1" dirty="0">
                 <a:solidFill>
-                  <a:schemeClr val="bg2">
-                    <a:lumMod val="75000"/>
-                  </a:schemeClr>
+                  <a:schemeClr val="bg2"/>
                 </a:solidFill>
                 <a:hlinkClick r:id="rId3">
                   <a:extLst>
@@ -13734,9 +13732,7 @@
             <a:r>
               <a:rPr lang="en-US" sz="3200" b="1" dirty="0" err="1">
                 <a:solidFill>
-                  <a:schemeClr val="bg2">
-                    <a:lumMod val="75000"/>
-                  </a:schemeClr>
+                  <a:schemeClr val="bg2"/>
                 </a:solidFill>
                 <a:hlinkClick r:id="rId3">
                   <a:extLst>
@@ -13746,13 +13742,11 @@
                   </a:extLst>
                 </a:hlinkClick>
               </a:rPr>
-              <a:t>responsivedesignpractice</a:t>
+              <a:t>responsiveoregon</a:t>
             </a:r>
             <a:endParaRPr lang="en-US" sz="3200" b="1" dirty="0">
               <a:solidFill>
-                <a:schemeClr val="bg2">
-                  <a:lumMod val="75000"/>
-                </a:schemeClr>
+                <a:schemeClr val="bg2"/>
               </a:solidFill>
             </a:endParaRPr>
           </a:p>
